--- a/기획/카드 proto.pptx
+++ b/기획/카드 proto.pptx
@@ -7,6 +7,7 @@
   <p:sldIdLst>
     <p:sldId id="256" r:id="rId2"/>
     <p:sldId id="257" r:id="rId3"/>
+    <p:sldId id="258" r:id="rId4"/>
   </p:sldIdLst>
   <p:sldSz cx="12192000" cy="6858000"/>
   <p:notesSz cx="6858000" cy="9144000"/>
@@ -105,6 +106,11 @@
       </a:defRPr>
     </a:lvl9pPr>
   </p:defaultTextStyle>
+  <p:extLst>
+    <p:ext uri="{EFAFB233-063F-42B5-8137-9DF3F51BA10A}">
+      <p15:sldGuideLst xmlns:p15="http://schemas.microsoft.com/office/powerpoint/2012/main"/>
+    </p:ext>
+  </p:extLst>
 </p:presentation>
 </file>
 
@@ -255,7 +261,7 @@
           <a:p>
             <a:fld id="{4E56C207-5CCF-4F3B-B329-39F535AC1AE6}" type="datetimeFigureOut">
               <a:rPr lang="ko-KR" altLang="en-US" smtClean="0"/>
-              <a:t>2023-10-27</a:t>
+              <a:t>2023-10-30</a:t>
             </a:fld>
             <a:endParaRPr lang="ko-KR" altLang="en-US"/>
           </a:p>
@@ -453,7 +459,7 @@
           <a:p>
             <a:fld id="{4E56C207-5CCF-4F3B-B329-39F535AC1AE6}" type="datetimeFigureOut">
               <a:rPr lang="ko-KR" altLang="en-US" smtClean="0"/>
-              <a:t>2023-10-27</a:t>
+              <a:t>2023-10-30</a:t>
             </a:fld>
             <a:endParaRPr lang="ko-KR" altLang="en-US"/>
           </a:p>
@@ -661,7 +667,7 @@
           <a:p>
             <a:fld id="{4E56C207-5CCF-4F3B-B329-39F535AC1AE6}" type="datetimeFigureOut">
               <a:rPr lang="ko-KR" altLang="en-US" smtClean="0"/>
-              <a:t>2023-10-27</a:t>
+              <a:t>2023-10-30</a:t>
             </a:fld>
             <a:endParaRPr lang="ko-KR" altLang="en-US"/>
           </a:p>
@@ -859,7 +865,7 @@
           <a:p>
             <a:fld id="{4E56C207-5CCF-4F3B-B329-39F535AC1AE6}" type="datetimeFigureOut">
               <a:rPr lang="ko-KR" altLang="en-US" smtClean="0"/>
-              <a:t>2023-10-27</a:t>
+              <a:t>2023-10-30</a:t>
             </a:fld>
             <a:endParaRPr lang="ko-KR" altLang="en-US"/>
           </a:p>
@@ -1134,7 +1140,7 @@
           <a:p>
             <a:fld id="{4E56C207-5CCF-4F3B-B329-39F535AC1AE6}" type="datetimeFigureOut">
               <a:rPr lang="ko-KR" altLang="en-US" smtClean="0"/>
-              <a:t>2023-10-27</a:t>
+              <a:t>2023-10-30</a:t>
             </a:fld>
             <a:endParaRPr lang="ko-KR" altLang="en-US"/>
           </a:p>
@@ -1399,7 +1405,7 @@
           <a:p>
             <a:fld id="{4E56C207-5CCF-4F3B-B329-39F535AC1AE6}" type="datetimeFigureOut">
               <a:rPr lang="ko-KR" altLang="en-US" smtClean="0"/>
-              <a:t>2023-10-27</a:t>
+              <a:t>2023-10-30</a:t>
             </a:fld>
             <a:endParaRPr lang="ko-KR" altLang="en-US"/>
           </a:p>
@@ -1811,7 +1817,7 @@
           <a:p>
             <a:fld id="{4E56C207-5CCF-4F3B-B329-39F535AC1AE6}" type="datetimeFigureOut">
               <a:rPr lang="ko-KR" altLang="en-US" smtClean="0"/>
-              <a:t>2023-10-27</a:t>
+              <a:t>2023-10-30</a:t>
             </a:fld>
             <a:endParaRPr lang="ko-KR" altLang="en-US"/>
           </a:p>
@@ -1952,7 +1958,7 @@
           <a:p>
             <a:fld id="{4E56C207-5CCF-4F3B-B329-39F535AC1AE6}" type="datetimeFigureOut">
               <a:rPr lang="ko-KR" altLang="en-US" smtClean="0"/>
-              <a:t>2023-10-27</a:t>
+              <a:t>2023-10-30</a:t>
             </a:fld>
             <a:endParaRPr lang="ko-KR" altLang="en-US"/>
           </a:p>
@@ -2065,7 +2071,7 @@
           <a:p>
             <a:fld id="{4E56C207-5CCF-4F3B-B329-39F535AC1AE6}" type="datetimeFigureOut">
               <a:rPr lang="ko-KR" altLang="en-US" smtClean="0"/>
-              <a:t>2023-10-27</a:t>
+              <a:t>2023-10-30</a:t>
             </a:fld>
             <a:endParaRPr lang="ko-KR" altLang="en-US"/>
           </a:p>
@@ -2376,7 +2382,7 @@
           <a:p>
             <a:fld id="{4E56C207-5CCF-4F3B-B329-39F535AC1AE6}" type="datetimeFigureOut">
               <a:rPr lang="ko-KR" altLang="en-US" smtClean="0"/>
-              <a:t>2023-10-27</a:t>
+              <a:t>2023-10-30</a:t>
             </a:fld>
             <a:endParaRPr lang="ko-KR" altLang="en-US"/>
           </a:p>
@@ -2664,7 +2670,7 @@
           <a:p>
             <a:fld id="{4E56C207-5CCF-4F3B-B329-39F535AC1AE6}" type="datetimeFigureOut">
               <a:rPr lang="ko-KR" altLang="en-US" smtClean="0"/>
-              <a:t>2023-10-27</a:t>
+              <a:t>2023-10-30</a:t>
             </a:fld>
             <a:endParaRPr lang="ko-KR" altLang="en-US"/>
           </a:p>
@@ -2905,7 +2911,7 @@
           <a:p>
             <a:fld id="{4E56C207-5CCF-4F3B-B329-39F535AC1AE6}" type="datetimeFigureOut">
               <a:rPr lang="ko-KR" altLang="en-US" smtClean="0"/>
-              <a:t>2023-10-27</a:t>
+              <a:t>2023-10-30</a:t>
             </a:fld>
             <a:endParaRPr lang="ko-KR" altLang="en-US"/>
           </a:p>
@@ -3425,6 +3431,13 @@
             </a:avLst>
           </a:prstGeom>
           <a:noFill/>
+          <a:ln>
+            <a:solidFill>
+              <a:schemeClr val="tx1">
+                <a:alpha val="70000"/>
+              </a:schemeClr>
+            </a:solidFill>
+          </a:ln>
         </p:spPr>
         <p:style>
           <a:lnRef idx="2">
@@ -3472,6 +3485,13 @@
             <a:avLst/>
           </a:prstGeom>
           <a:noFill/>
+          <a:ln>
+            <a:solidFill>
+              <a:schemeClr val="tx1">
+                <a:alpha val="70000"/>
+              </a:schemeClr>
+            </a:solidFill>
+          </a:ln>
         </p:spPr>
         <p:style>
           <a:lnRef idx="2">
@@ -3519,6 +3539,13 @@
             <a:avLst/>
           </a:prstGeom>
           <a:noFill/>
+          <a:ln>
+            <a:solidFill>
+              <a:schemeClr val="tx1">
+                <a:alpha val="70000"/>
+              </a:schemeClr>
+            </a:solidFill>
+          </a:ln>
         </p:spPr>
         <p:style>
           <a:lnRef idx="2">
@@ -3566,6 +3593,13 @@
             <a:avLst/>
           </a:prstGeom>
           <a:noFill/>
+          <a:ln>
+            <a:solidFill>
+              <a:schemeClr val="tx1">
+                <a:alpha val="70000"/>
+              </a:schemeClr>
+            </a:solidFill>
+          </a:ln>
         </p:spPr>
         <p:style>
           <a:lnRef idx="2">
@@ -3613,6 +3647,13 @@
             <a:avLst/>
           </a:prstGeom>
           <a:noFill/>
+          <a:ln>
+            <a:solidFill>
+              <a:schemeClr val="tx1">
+                <a:alpha val="70000"/>
+              </a:schemeClr>
+            </a:solidFill>
+          </a:ln>
         </p:spPr>
         <p:style>
           <a:lnRef idx="2">
@@ -3660,6 +3701,13 @@
             <a:avLst/>
           </a:prstGeom>
           <a:noFill/>
+          <a:ln>
+            <a:solidFill>
+              <a:schemeClr val="tx1">
+                <a:alpha val="70000"/>
+              </a:schemeClr>
+            </a:solidFill>
+          </a:ln>
         </p:spPr>
         <p:style>
           <a:lnRef idx="2">
@@ -3707,6 +3755,13 @@
             <a:avLst/>
           </a:prstGeom>
           <a:noFill/>
+          <a:ln>
+            <a:solidFill>
+              <a:schemeClr val="tx1">
+                <a:alpha val="70000"/>
+              </a:schemeClr>
+            </a:solidFill>
+          </a:ln>
         </p:spPr>
         <p:style>
           <a:lnRef idx="2">
@@ -3754,6 +3809,13 @@
             <a:avLst/>
           </a:prstGeom>
           <a:noFill/>
+          <a:ln>
+            <a:solidFill>
+              <a:schemeClr val="tx1">
+                <a:alpha val="70000"/>
+              </a:schemeClr>
+            </a:solidFill>
+          </a:ln>
         </p:spPr>
         <p:style>
           <a:lnRef idx="2">
@@ -4571,13 +4633,15 @@
               </a:ext>
             </a:extLst>
           </p:cNvPr>
-          <p:cNvGrpSpPr/>
+          <p:cNvGrpSpPr>
+            <a:grpSpLocks noChangeAspect="1"/>
+          </p:cNvGrpSpPr>
           <p:nvPr/>
         </p:nvGrpSpPr>
         <p:grpSpPr>
           <a:xfrm>
-            <a:off x="4782960" y="561000"/>
-            <a:ext cx="1080000" cy="1228425"/>
+            <a:off x="9818931" y="2623412"/>
+            <a:ext cx="524127" cy="596158"/>
             <a:chOff x="5172074" y="1647825"/>
             <a:chExt cx="1080000" cy="1228425"/>
           </a:xfrm>
@@ -4790,13 +4854,15 @@
               </a:ext>
             </a:extLst>
           </p:cNvPr>
-          <p:cNvGrpSpPr/>
+          <p:cNvGrpSpPr>
+            <a:grpSpLocks noChangeAspect="1"/>
+          </p:cNvGrpSpPr>
           <p:nvPr/>
         </p:nvGrpSpPr>
         <p:grpSpPr>
           <a:xfrm>
-            <a:off x="6096000" y="353925"/>
-            <a:ext cx="1080000" cy="1435500"/>
+            <a:off x="8917764" y="2570235"/>
+            <a:ext cx="593853" cy="789330"/>
             <a:chOff x="5419239" y="2733395"/>
             <a:chExt cx="1587798" cy="2232088"/>
           </a:xfrm>
@@ -5217,13 +5283,15 @@
               </a:ext>
             </a:extLst>
           </p:cNvPr>
-          <p:cNvGrpSpPr/>
+          <p:cNvGrpSpPr>
+            <a:grpSpLocks noChangeAspect="1"/>
+          </p:cNvGrpSpPr>
           <p:nvPr/>
         </p:nvGrpSpPr>
         <p:grpSpPr>
           <a:xfrm>
-            <a:off x="7784159" y="160237"/>
-            <a:ext cx="1031740" cy="1723441"/>
+            <a:off x="9081339" y="3423885"/>
+            <a:ext cx="447221" cy="844766"/>
             <a:chOff x="6921636" y="3209925"/>
             <a:chExt cx="1031740" cy="1723441"/>
           </a:xfrm>
@@ -5651,13 +5719,15 @@
               </a:ext>
             </a:extLst>
           </p:cNvPr>
-          <p:cNvGrpSpPr/>
+          <p:cNvGrpSpPr>
+            <a:grpSpLocks noChangeAspect="1"/>
+          </p:cNvGrpSpPr>
           <p:nvPr/>
         </p:nvGrpSpPr>
         <p:grpSpPr>
           <a:xfrm>
-            <a:off x="4805136" y="1969425"/>
-            <a:ext cx="882776" cy="1161039"/>
+            <a:off x="9889815" y="3585773"/>
+            <a:ext cx="441388" cy="755227"/>
             <a:chOff x="5639297" y="2981325"/>
             <a:chExt cx="1442248" cy="2390027"/>
           </a:xfrm>
@@ -5921,8 +5991,8 @@
           </p:nvSpPr>
           <p:spPr>
             <a:xfrm>
-              <a:off x="5969778" y="3491208"/>
-              <a:ext cx="779038" cy="1800000"/>
+              <a:off x="5969778" y="3491207"/>
+              <a:ext cx="841768" cy="1800001"/>
             </a:xfrm>
             <a:prstGeom prst="rect">
               <a:avLst/>
@@ -6055,10 +6125,4415 @@
           </p:txBody>
         </p:sp>
       </p:grpSp>
+      <p:grpSp>
+        <p:nvGrpSpPr>
+          <p:cNvPr id="20" name="그룹 19">
+            <a:extLst>
+              <a:ext uri="{FF2B5EF4-FFF2-40B4-BE49-F238E27FC236}">
+                <a16:creationId xmlns:a16="http://schemas.microsoft.com/office/drawing/2014/main" id="{165CA01C-9AA7-4D0F-A70F-DF950F5E02D1}"/>
+              </a:ext>
+            </a:extLst>
+          </p:cNvPr>
+          <p:cNvGrpSpPr>
+            <a:grpSpLocks noChangeAspect="1"/>
+          </p:cNvGrpSpPr>
+          <p:nvPr/>
+        </p:nvGrpSpPr>
+        <p:grpSpPr>
+          <a:xfrm>
+            <a:off x="8836838" y="1520264"/>
+            <a:ext cx="900000" cy="900000"/>
+            <a:chOff x="5699947" y="2159728"/>
+            <a:chExt cx="924366" cy="977144"/>
+          </a:xfrm>
+        </p:grpSpPr>
+        <p:sp>
+          <p:nvSpPr>
+            <p:cNvPr id="2" name="순서도: 병합 1">
+              <a:extLst>
+                <a:ext uri="{FF2B5EF4-FFF2-40B4-BE49-F238E27FC236}">
+                  <a16:creationId xmlns:a16="http://schemas.microsoft.com/office/drawing/2014/main" id="{492D7F53-22AF-40B4-8588-F7FF104FBF53}"/>
+                </a:ext>
+              </a:extLst>
+            </p:cNvPr>
+            <p:cNvSpPr/>
+            <p:nvPr/>
+          </p:nvSpPr>
+          <p:spPr>
+            <a:xfrm flipV="1">
+              <a:off x="6091546" y="2159728"/>
+              <a:ext cx="141138" cy="626297"/>
+            </a:xfrm>
+            <a:prstGeom prst="flowChartMerge">
+              <a:avLst/>
+            </a:prstGeom>
+            <a:ln>
+              <a:noFill/>
+            </a:ln>
+          </p:spPr>
+          <p:style>
+            <a:lnRef idx="2">
+              <a:schemeClr val="accent1">
+                <a:shade val="50000"/>
+              </a:schemeClr>
+            </a:lnRef>
+            <a:fillRef idx="1">
+              <a:schemeClr val="accent1"/>
+            </a:fillRef>
+            <a:effectRef idx="0">
+              <a:schemeClr val="accent1"/>
+            </a:effectRef>
+            <a:fontRef idx="minor">
+              <a:schemeClr val="lt1"/>
+            </a:fontRef>
+          </p:style>
+          <p:txBody>
+            <a:bodyPr rtlCol="0" anchor="ctr"/>
+            <a:lstStyle/>
+            <a:p>
+              <a:pPr algn="ctr"/>
+              <a:endParaRPr lang="ko-KR" altLang="en-US"/>
+            </a:p>
+          </p:txBody>
+        </p:sp>
+        <p:sp>
+          <p:nvSpPr>
+            <p:cNvPr id="60" name="순서도: 병합 59">
+              <a:extLst>
+                <a:ext uri="{FF2B5EF4-FFF2-40B4-BE49-F238E27FC236}">
+                  <a16:creationId xmlns:a16="http://schemas.microsoft.com/office/drawing/2014/main" id="{50F91DFC-0DB4-44DE-B7F2-EB304648006D}"/>
+                </a:ext>
+              </a:extLst>
+            </p:cNvPr>
+            <p:cNvSpPr/>
+            <p:nvPr/>
+          </p:nvSpPr>
+          <p:spPr>
+            <a:xfrm rot="720000" flipV="1">
+              <a:off x="6293214" y="2193086"/>
+              <a:ext cx="141138" cy="626297"/>
+            </a:xfrm>
+            <a:prstGeom prst="flowChartMerge">
+              <a:avLst/>
+            </a:prstGeom>
+            <a:ln>
+              <a:noFill/>
+            </a:ln>
+          </p:spPr>
+          <p:style>
+            <a:lnRef idx="2">
+              <a:schemeClr val="accent1">
+                <a:shade val="50000"/>
+              </a:schemeClr>
+            </a:lnRef>
+            <a:fillRef idx="1">
+              <a:schemeClr val="accent1"/>
+            </a:fillRef>
+            <a:effectRef idx="0">
+              <a:schemeClr val="accent1"/>
+            </a:effectRef>
+            <a:fontRef idx="minor">
+              <a:schemeClr val="lt1"/>
+            </a:fontRef>
+          </p:style>
+          <p:txBody>
+            <a:bodyPr rtlCol="0" anchor="ctr"/>
+            <a:lstStyle/>
+            <a:p>
+              <a:pPr algn="ctr"/>
+              <a:endParaRPr lang="ko-KR" altLang="en-US"/>
+            </a:p>
+          </p:txBody>
+        </p:sp>
+        <p:sp>
+          <p:nvSpPr>
+            <p:cNvPr id="64" name="순서도: 병합 63">
+              <a:extLst>
+                <a:ext uri="{FF2B5EF4-FFF2-40B4-BE49-F238E27FC236}">
+                  <a16:creationId xmlns:a16="http://schemas.microsoft.com/office/drawing/2014/main" id="{F5B63DE3-C8C1-4521-960B-F465226E4239}"/>
+                </a:ext>
+              </a:extLst>
+            </p:cNvPr>
+            <p:cNvSpPr/>
+            <p:nvPr/>
+          </p:nvSpPr>
+          <p:spPr>
+            <a:xfrm rot="20880000" flipV="1">
+              <a:off x="5886842" y="2193086"/>
+              <a:ext cx="141138" cy="626297"/>
+            </a:xfrm>
+            <a:prstGeom prst="flowChartMerge">
+              <a:avLst/>
+            </a:prstGeom>
+            <a:ln>
+              <a:noFill/>
+            </a:ln>
+          </p:spPr>
+          <p:style>
+            <a:lnRef idx="2">
+              <a:schemeClr val="accent1">
+                <a:shade val="50000"/>
+              </a:schemeClr>
+            </a:lnRef>
+            <a:fillRef idx="1">
+              <a:schemeClr val="accent1"/>
+            </a:fillRef>
+            <a:effectRef idx="0">
+              <a:schemeClr val="accent1"/>
+            </a:effectRef>
+            <a:fontRef idx="minor">
+              <a:schemeClr val="lt1"/>
+            </a:fontRef>
+          </p:style>
+          <p:txBody>
+            <a:bodyPr rtlCol="0" anchor="ctr"/>
+            <a:lstStyle/>
+            <a:p>
+              <a:pPr algn="ctr"/>
+              <a:endParaRPr lang="ko-KR" altLang="en-US"/>
+            </a:p>
+          </p:txBody>
+        </p:sp>
+        <p:sp>
+          <p:nvSpPr>
+            <p:cNvPr id="65" name="순서도: 병합 64">
+              <a:extLst>
+                <a:ext uri="{FF2B5EF4-FFF2-40B4-BE49-F238E27FC236}">
+                  <a16:creationId xmlns:a16="http://schemas.microsoft.com/office/drawing/2014/main" id="{293F102B-7428-49C1-8579-F8DB64659744}"/>
+                </a:ext>
+              </a:extLst>
+            </p:cNvPr>
+            <p:cNvSpPr/>
+            <p:nvPr/>
+          </p:nvSpPr>
+          <p:spPr>
+            <a:xfrm rot="1440000" flipV="1">
+              <a:off x="6483175" y="2273073"/>
+              <a:ext cx="141138" cy="626297"/>
+            </a:xfrm>
+            <a:prstGeom prst="flowChartMerge">
+              <a:avLst/>
+            </a:prstGeom>
+            <a:ln>
+              <a:noFill/>
+            </a:ln>
+          </p:spPr>
+          <p:style>
+            <a:lnRef idx="2">
+              <a:schemeClr val="accent1">
+                <a:shade val="50000"/>
+              </a:schemeClr>
+            </a:lnRef>
+            <a:fillRef idx="1">
+              <a:schemeClr val="accent1"/>
+            </a:fillRef>
+            <a:effectRef idx="0">
+              <a:schemeClr val="accent1"/>
+            </a:effectRef>
+            <a:fontRef idx="minor">
+              <a:schemeClr val="lt1"/>
+            </a:fontRef>
+          </p:style>
+          <p:txBody>
+            <a:bodyPr rtlCol="0" anchor="ctr"/>
+            <a:lstStyle/>
+            <a:p>
+              <a:pPr algn="ctr"/>
+              <a:endParaRPr lang="ko-KR" altLang="en-US"/>
+            </a:p>
+          </p:txBody>
+        </p:sp>
+        <p:sp>
+          <p:nvSpPr>
+            <p:cNvPr id="69" name="순서도: 병합 68">
+              <a:extLst>
+                <a:ext uri="{FF2B5EF4-FFF2-40B4-BE49-F238E27FC236}">
+                  <a16:creationId xmlns:a16="http://schemas.microsoft.com/office/drawing/2014/main" id="{70C5F61F-7245-4321-80BE-F40ECBDCE4ED}"/>
+                </a:ext>
+              </a:extLst>
+            </p:cNvPr>
+            <p:cNvSpPr/>
+            <p:nvPr/>
+          </p:nvSpPr>
+          <p:spPr>
+            <a:xfrm rot="20160000" flipV="1">
+              <a:off x="5699947" y="2273073"/>
+              <a:ext cx="141138" cy="626297"/>
+            </a:xfrm>
+            <a:prstGeom prst="flowChartMerge">
+              <a:avLst/>
+            </a:prstGeom>
+            <a:ln>
+              <a:noFill/>
+            </a:ln>
+          </p:spPr>
+          <p:style>
+            <a:lnRef idx="2">
+              <a:schemeClr val="accent1">
+                <a:shade val="50000"/>
+              </a:schemeClr>
+            </a:lnRef>
+            <a:fillRef idx="1">
+              <a:schemeClr val="accent1"/>
+            </a:fillRef>
+            <a:effectRef idx="0">
+              <a:schemeClr val="accent1"/>
+            </a:effectRef>
+            <a:fontRef idx="minor">
+              <a:schemeClr val="lt1"/>
+            </a:fontRef>
+          </p:style>
+          <p:txBody>
+            <a:bodyPr rtlCol="0" anchor="ctr"/>
+            <a:lstStyle/>
+            <a:p>
+              <a:pPr algn="ctr"/>
+              <a:endParaRPr lang="ko-KR" altLang="en-US"/>
+            </a:p>
+          </p:txBody>
+        </p:sp>
+        <p:sp>
+          <p:nvSpPr>
+            <p:cNvPr id="3" name="타원 2">
+              <a:extLst>
+                <a:ext uri="{FF2B5EF4-FFF2-40B4-BE49-F238E27FC236}">
+                  <a16:creationId xmlns:a16="http://schemas.microsoft.com/office/drawing/2014/main" id="{F166503B-FDDA-49A1-907C-19632CF2119C}"/>
+                </a:ext>
+              </a:extLst>
+            </p:cNvPr>
+            <p:cNvSpPr/>
+            <p:nvPr/>
+          </p:nvSpPr>
+          <p:spPr>
+            <a:xfrm>
+              <a:off x="5824794" y="2628900"/>
+              <a:ext cx="674642" cy="478541"/>
+            </a:xfrm>
+            <a:prstGeom prst="ellipse">
+              <a:avLst/>
+            </a:prstGeom>
+            <a:ln>
+              <a:noFill/>
+            </a:ln>
+          </p:spPr>
+          <p:style>
+            <a:lnRef idx="2">
+              <a:schemeClr val="accent1">
+                <a:shade val="50000"/>
+              </a:schemeClr>
+            </a:lnRef>
+            <a:fillRef idx="1">
+              <a:schemeClr val="accent1"/>
+            </a:fillRef>
+            <a:effectRef idx="0">
+              <a:schemeClr val="accent1"/>
+            </a:effectRef>
+            <a:fontRef idx="minor">
+              <a:schemeClr val="lt1"/>
+            </a:fontRef>
+          </p:style>
+          <p:txBody>
+            <a:bodyPr rtlCol="0" anchor="ctr"/>
+            <a:lstStyle/>
+            <a:p>
+              <a:pPr algn="ctr"/>
+              <a:endParaRPr lang="ko-KR" altLang="en-US"/>
+            </a:p>
+          </p:txBody>
+        </p:sp>
+        <p:sp>
+          <p:nvSpPr>
+            <p:cNvPr id="70" name="타원 69">
+              <a:extLst>
+                <a:ext uri="{FF2B5EF4-FFF2-40B4-BE49-F238E27FC236}">
+                  <a16:creationId xmlns:a16="http://schemas.microsoft.com/office/drawing/2014/main" id="{ABD4936A-0477-42C2-BB2C-0B42B49F8AEF}"/>
+                </a:ext>
+              </a:extLst>
+            </p:cNvPr>
+            <p:cNvSpPr/>
+            <p:nvPr/>
+          </p:nvSpPr>
+          <p:spPr>
+            <a:xfrm>
+              <a:off x="5821875" y="2901000"/>
+              <a:ext cx="674642" cy="235872"/>
+            </a:xfrm>
+            <a:prstGeom prst="ellipse">
+              <a:avLst/>
+            </a:prstGeom>
+            <a:ln>
+              <a:noFill/>
+            </a:ln>
+          </p:spPr>
+          <p:style>
+            <a:lnRef idx="2">
+              <a:schemeClr val="accent1">
+                <a:shade val="50000"/>
+              </a:schemeClr>
+            </a:lnRef>
+            <a:fillRef idx="1">
+              <a:schemeClr val="accent1"/>
+            </a:fillRef>
+            <a:effectRef idx="0">
+              <a:schemeClr val="accent1"/>
+            </a:effectRef>
+            <a:fontRef idx="minor">
+              <a:schemeClr val="lt1"/>
+            </a:fontRef>
+          </p:style>
+          <p:txBody>
+            <a:bodyPr rtlCol="0" anchor="ctr"/>
+            <a:lstStyle/>
+            <a:p>
+              <a:pPr algn="ctr"/>
+              <a:endParaRPr lang="ko-KR" altLang="en-US"/>
+            </a:p>
+          </p:txBody>
+        </p:sp>
+        <p:sp>
+          <p:nvSpPr>
+            <p:cNvPr id="19" name="순서도: 수동 연산 18">
+              <a:extLst>
+                <a:ext uri="{FF2B5EF4-FFF2-40B4-BE49-F238E27FC236}">
+                  <a16:creationId xmlns:a16="http://schemas.microsoft.com/office/drawing/2014/main" id="{DD2099A3-4D96-4554-9CA9-9BA863F2BF83}"/>
+                </a:ext>
+              </a:extLst>
+            </p:cNvPr>
+            <p:cNvSpPr/>
+            <p:nvPr/>
+          </p:nvSpPr>
+          <p:spPr>
+            <a:xfrm rot="10800000">
+              <a:off x="5821875" y="2716225"/>
+              <a:ext cx="674641" cy="302711"/>
+            </a:xfrm>
+            <a:prstGeom prst="flowChartManualOperation">
+              <a:avLst/>
+            </a:prstGeom>
+            <a:ln>
+              <a:noFill/>
+            </a:ln>
+          </p:spPr>
+          <p:style>
+            <a:lnRef idx="2">
+              <a:schemeClr val="accent1">
+                <a:shade val="50000"/>
+              </a:schemeClr>
+            </a:lnRef>
+            <a:fillRef idx="1">
+              <a:schemeClr val="accent1"/>
+            </a:fillRef>
+            <a:effectRef idx="0">
+              <a:schemeClr val="accent1"/>
+            </a:effectRef>
+            <a:fontRef idx="minor">
+              <a:schemeClr val="lt1"/>
+            </a:fontRef>
+          </p:style>
+          <p:txBody>
+            <a:bodyPr rtlCol="0" anchor="ctr"/>
+            <a:lstStyle/>
+            <a:p>
+              <a:pPr algn="ctr"/>
+              <a:endParaRPr lang="ko-KR" altLang="en-US"/>
+            </a:p>
+          </p:txBody>
+        </p:sp>
+      </p:grpSp>
+      <p:grpSp>
+        <p:nvGrpSpPr>
+          <p:cNvPr id="25" name="그룹 24">
+            <a:extLst>
+              <a:ext uri="{FF2B5EF4-FFF2-40B4-BE49-F238E27FC236}">
+                <a16:creationId xmlns:a16="http://schemas.microsoft.com/office/drawing/2014/main" id="{AA323B75-5E89-4F80-A9D6-14F9AD3EC816}"/>
+              </a:ext>
+            </a:extLst>
+          </p:cNvPr>
+          <p:cNvGrpSpPr>
+            <a:grpSpLocks noChangeAspect="1"/>
+          </p:cNvGrpSpPr>
+          <p:nvPr/>
+        </p:nvGrpSpPr>
+        <p:grpSpPr>
+          <a:xfrm>
+            <a:off x="8842171" y="523925"/>
+            <a:ext cx="843423" cy="900000"/>
+            <a:chOff x="5383759" y="3792044"/>
+            <a:chExt cx="843423" cy="975980"/>
+          </a:xfrm>
+        </p:grpSpPr>
+        <p:grpSp>
+          <p:nvGrpSpPr>
+            <p:cNvPr id="24" name="그룹 23">
+              <a:extLst>
+                <a:ext uri="{FF2B5EF4-FFF2-40B4-BE49-F238E27FC236}">
+                  <a16:creationId xmlns:a16="http://schemas.microsoft.com/office/drawing/2014/main" id="{AA20CBC2-7A37-43A2-91DF-B7CF3924CBAF}"/>
+                </a:ext>
+              </a:extLst>
+            </p:cNvPr>
+            <p:cNvGrpSpPr/>
+            <p:nvPr/>
+          </p:nvGrpSpPr>
+          <p:grpSpPr>
+            <a:xfrm>
+              <a:off x="5383759" y="4062476"/>
+              <a:ext cx="843423" cy="705548"/>
+              <a:chOff x="6053336" y="3147968"/>
+              <a:chExt cx="843423" cy="705548"/>
+            </a:xfrm>
+          </p:grpSpPr>
+          <p:sp>
+            <p:nvSpPr>
+              <p:cNvPr id="21" name="타원 20">
+                <a:extLst>
+                  <a:ext uri="{FF2B5EF4-FFF2-40B4-BE49-F238E27FC236}">
+                    <a16:creationId xmlns:a16="http://schemas.microsoft.com/office/drawing/2014/main" id="{9FA77049-96E5-4125-82D5-F21D9E9F1572}"/>
+                  </a:ext>
+                </a:extLst>
+              </p:cNvPr>
+              <p:cNvSpPr/>
+              <p:nvPr/>
+            </p:nvSpPr>
+            <p:spPr>
+              <a:xfrm>
+                <a:off x="6280381" y="3147968"/>
+                <a:ext cx="384950" cy="504480"/>
+              </a:xfrm>
+              <a:prstGeom prst="ellipse">
+                <a:avLst/>
+              </a:prstGeom>
+              <a:ln>
+                <a:noFill/>
+              </a:ln>
+            </p:spPr>
+            <p:style>
+              <a:lnRef idx="2">
+                <a:schemeClr val="accent1">
+                  <a:shade val="50000"/>
+                </a:schemeClr>
+              </a:lnRef>
+              <a:fillRef idx="1">
+                <a:schemeClr val="accent1"/>
+              </a:fillRef>
+              <a:effectRef idx="0">
+                <a:schemeClr val="accent1"/>
+              </a:effectRef>
+              <a:fontRef idx="minor">
+                <a:schemeClr val="lt1"/>
+              </a:fontRef>
+            </p:style>
+            <p:txBody>
+              <a:bodyPr rtlCol="0" anchor="ctr"/>
+              <a:lstStyle/>
+              <a:p>
+                <a:pPr algn="ctr"/>
+                <a:endParaRPr lang="ko-KR" altLang="en-US"/>
+              </a:p>
+            </p:txBody>
+          </p:sp>
+          <p:sp>
+            <p:nvSpPr>
+              <p:cNvPr id="71" name="타원 70">
+                <a:extLst>
+                  <a:ext uri="{FF2B5EF4-FFF2-40B4-BE49-F238E27FC236}">
+                    <a16:creationId xmlns:a16="http://schemas.microsoft.com/office/drawing/2014/main" id="{4C7DCDE1-570C-4B02-B6D7-2365C8F77756}"/>
+                  </a:ext>
+                </a:extLst>
+              </p:cNvPr>
+              <p:cNvSpPr/>
+              <p:nvPr/>
+            </p:nvSpPr>
+            <p:spPr>
+              <a:xfrm rot="3600000">
+                <a:off x="5954705" y="3313695"/>
+                <a:ext cx="581370" cy="384107"/>
+              </a:xfrm>
+              <a:prstGeom prst="ellipse">
+                <a:avLst/>
+              </a:prstGeom>
+              <a:ln>
+                <a:noFill/>
+              </a:ln>
+            </p:spPr>
+            <p:style>
+              <a:lnRef idx="2">
+                <a:schemeClr val="accent1">
+                  <a:shade val="50000"/>
+                </a:schemeClr>
+              </a:lnRef>
+              <a:fillRef idx="1">
+                <a:schemeClr val="accent1"/>
+              </a:fillRef>
+              <a:effectRef idx="0">
+                <a:schemeClr val="accent1"/>
+              </a:effectRef>
+              <a:fontRef idx="minor">
+                <a:schemeClr val="lt1"/>
+              </a:fontRef>
+            </p:style>
+            <p:txBody>
+              <a:bodyPr rtlCol="0" anchor="ctr"/>
+              <a:lstStyle/>
+              <a:p>
+                <a:pPr algn="ctr"/>
+                <a:endParaRPr lang="ko-KR" altLang="en-US"/>
+              </a:p>
+            </p:txBody>
+          </p:sp>
+          <p:sp>
+            <p:nvSpPr>
+              <p:cNvPr id="75" name="타원 74">
+                <a:extLst>
+                  <a:ext uri="{FF2B5EF4-FFF2-40B4-BE49-F238E27FC236}">
+                    <a16:creationId xmlns:a16="http://schemas.microsoft.com/office/drawing/2014/main" id="{12FEB369-B61F-4A97-BD08-6BD7EB0C16FC}"/>
+                  </a:ext>
+                </a:extLst>
+              </p:cNvPr>
+              <p:cNvSpPr/>
+              <p:nvPr/>
+            </p:nvSpPr>
+            <p:spPr>
+              <a:xfrm rot="-3600000">
+                <a:off x="6414021" y="3313765"/>
+                <a:ext cx="581370" cy="384107"/>
+              </a:xfrm>
+              <a:prstGeom prst="ellipse">
+                <a:avLst/>
+              </a:prstGeom>
+              <a:ln>
+                <a:noFill/>
+              </a:ln>
+            </p:spPr>
+            <p:style>
+              <a:lnRef idx="2">
+                <a:schemeClr val="accent1">
+                  <a:shade val="50000"/>
+                </a:schemeClr>
+              </a:lnRef>
+              <a:fillRef idx="1">
+                <a:schemeClr val="accent1"/>
+              </a:fillRef>
+              <a:effectRef idx="0">
+                <a:schemeClr val="accent1"/>
+              </a:effectRef>
+              <a:fontRef idx="minor">
+                <a:schemeClr val="lt1"/>
+              </a:fontRef>
+            </p:style>
+            <p:txBody>
+              <a:bodyPr rtlCol="0" anchor="ctr"/>
+              <a:lstStyle/>
+              <a:p>
+                <a:pPr algn="ctr"/>
+                <a:endParaRPr lang="ko-KR" altLang="en-US"/>
+              </a:p>
+            </p:txBody>
+          </p:sp>
+          <p:sp>
+            <p:nvSpPr>
+              <p:cNvPr id="22" name="순서도: 수동 연산 21">
+                <a:extLst>
+                  <a:ext uri="{FF2B5EF4-FFF2-40B4-BE49-F238E27FC236}">
+                    <a16:creationId xmlns:a16="http://schemas.microsoft.com/office/drawing/2014/main" id="{C7EA1D20-FFFC-42B0-8601-B3255045D74A}"/>
+                  </a:ext>
+                </a:extLst>
+              </p:cNvPr>
+              <p:cNvSpPr/>
+              <p:nvPr/>
+            </p:nvSpPr>
+            <p:spPr>
+              <a:xfrm rot="10800000">
+                <a:off x="6232683" y="3349036"/>
+                <a:ext cx="480346" cy="504480"/>
+              </a:xfrm>
+              <a:prstGeom prst="flowChartManualOperation">
+                <a:avLst/>
+              </a:prstGeom>
+              <a:ln>
+                <a:noFill/>
+              </a:ln>
+            </p:spPr>
+            <p:style>
+              <a:lnRef idx="2">
+                <a:schemeClr val="accent1">
+                  <a:shade val="50000"/>
+                </a:schemeClr>
+              </a:lnRef>
+              <a:fillRef idx="1">
+                <a:schemeClr val="accent1"/>
+              </a:fillRef>
+              <a:effectRef idx="0">
+                <a:schemeClr val="accent1"/>
+              </a:effectRef>
+              <a:fontRef idx="minor">
+                <a:schemeClr val="lt1"/>
+              </a:fontRef>
+            </p:style>
+            <p:txBody>
+              <a:bodyPr rtlCol="0" anchor="ctr"/>
+              <a:lstStyle/>
+              <a:p>
+                <a:pPr algn="ctr"/>
+                <a:endParaRPr lang="ko-KR" altLang="en-US"/>
+              </a:p>
+            </p:txBody>
+          </p:sp>
+        </p:grpSp>
+        <p:sp>
+          <p:nvSpPr>
+            <p:cNvPr id="23" name="십자형 22">
+              <a:extLst>
+                <a:ext uri="{FF2B5EF4-FFF2-40B4-BE49-F238E27FC236}">
+                  <a16:creationId xmlns:a16="http://schemas.microsoft.com/office/drawing/2014/main" id="{5113FE1B-5D33-4382-A95C-A3F22235F51F}"/>
+                </a:ext>
+              </a:extLst>
+            </p:cNvPr>
+            <p:cNvSpPr/>
+            <p:nvPr/>
+          </p:nvSpPr>
+          <p:spPr>
+            <a:xfrm>
+              <a:off x="5659280" y="3792044"/>
+              <a:ext cx="288000" cy="288000"/>
+            </a:xfrm>
+            <a:prstGeom prst="plus">
+              <a:avLst>
+                <a:gd name="adj" fmla="val 43445"/>
+              </a:avLst>
+            </a:prstGeom>
+            <a:ln>
+              <a:noFill/>
+            </a:ln>
+          </p:spPr>
+          <p:style>
+            <a:lnRef idx="2">
+              <a:schemeClr val="accent1">
+                <a:shade val="50000"/>
+              </a:schemeClr>
+            </a:lnRef>
+            <a:fillRef idx="1">
+              <a:schemeClr val="accent1"/>
+            </a:fillRef>
+            <a:effectRef idx="0">
+              <a:schemeClr val="accent1"/>
+            </a:effectRef>
+            <a:fontRef idx="minor">
+              <a:schemeClr val="lt1"/>
+            </a:fontRef>
+          </p:style>
+          <p:txBody>
+            <a:bodyPr rtlCol="0" anchor="ctr"/>
+            <a:lstStyle/>
+            <a:p>
+              <a:pPr algn="ctr"/>
+              <a:endParaRPr lang="ko-KR" altLang="en-US"/>
+            </a:p>
+          </p:txBody>
+        </p:sp>
+      </p:grpSp>
+      <p:sp>
+        <p:nvSpPr>
+          <p:cNvPr id="84" name="하트 83">
+            <a:extLst>
+              <a:ext uri="{FF2B5EF4-FFF2-40B4-BE49-F238E27FC236}">
+                <a16:creationId xmlns:a16="http://schemas.microsoft.com/office/drawing/2014/main" id="{1A1C939F-D135-4988-90D0-175812196459}"/>
+              </a:ext>
+            </a:extLst>
+          </p:cNvPr>
+          <p:cNvSpPr/>
+          <p:nvPr/>
+        </p:nvSpPr>
+        <p:spPr>
+          <a:xfrm>
+            <a:off x="11189040" y="2045823"/>
+            <a:ext cx="180000" cy="180000"/>
+          </a:xfrm>
+          <a:prstGeom prst="heart">
+            <a:avLst/>
+          </a:prstGeom>
+          <a:solidFill>
+            <a:schemeClr val="tx1"/>
+          </a:solidFill>
+          <a:ln>
+            <a:noFill/>
+          </a:ln>
+        </p:spPr>
+        <p:style>
+          <a:lnRef idx="2">
+            <a:schemeClr val="accent1">
+              <a:shade val="50000"/>
+            </a:schemeClr>
+          </a:lnRef>
+          <a:fillRef idx="1">
+            <a:schemeClr val="accent1"/>
+          </a:fillRef>
+          <a:effectRef idx="0">
+            <a:schemeClr val="accent1"/>
+          </a:effectRef>
+          <a:fontRef idx="minor">
+            <a:schemeClr val="lt1"/>
+          </a:fontRef>
+        </p:style>
+        <p:txBody>
+          <a:bodyPr rtlCol="0" anchor="ctr"/>
+          <a:lstStyle/>
+          <a:p>
+            <a:pPr algn="ctr"/>
+            <a:endParaRPr lang="ko-KR" altLang="en-US"/>
+          </a:p>
+        </p:txBody>
+      </p:sp>
+      <p:grpSp>
+        <p:nvGrpSpPr>
+          <p:cNvPr id="85" name="그룹 84">
+            <a:extLst>
+              <a:ext uri="{FF2B5EF4-FFF2-40B4-BE49-F238E27FC236}">
+                <a16:creationId xmlns:a16="http://schemas.microsoft.com/office/drawing/2014/main" id="{C66B177B-EA13-4483-BBE2-DB7CE6196DD6}"/>
+              </a:ext>
+            </a:extLst>
+          </p:cNvPr>
+          <p:cNvGrpSpPr/>
+          <p:nvPr/>
+        </p:nvGrpSpPr>
+        <p:grpSpPr>
+          <a:xfrm rot="2700000">
+            <a:off x="11241832" y="2363228"/>
+            <a:ext cx="72000" cy="270000"/>
+            <a:chOff x="2543380" y="2959100"/>
+            <a:chExt cx="317500" cy="914400"/>
+          </a:xfrm>
+        </p:grpSpPr>
+        <p:sp>
+          <p:nvSpPr>
+            <p:cNvPr id="86" name="화살표: 위쪽 85">
+              <a:extLst>
+                <a:ext uri="{FF2B5EF4-FFF2-40B4-BE49-F238E27FC236}">
+                  <a16:creationId xmlns:a16="http://schemas.microsoft.com/office/drawing/2014/main" id="{6067CA2E-7503-4D74-9F4E-8BCD8234F148}"/>
+                </a:ext>
+              </a:extLst>
+            </p:cNvPr>
+            <p:cNvSpPr/>
+            <p:nvPr/>
+          </p:nvSpPr>
+          <p:spPr>
+            <a:xfrm>
+              <a:off x="2622960" y="2959100"/>
+              <a:ext cx="158340" cy="679450"/>
+            </a:xfrm>
+            <a:prstGeom prst="upArrow">
+              <a:avLst>
+                <a:gd name="adj1" fmla="val 100000"/>
+                <a:gd name="adj2" fmla="val 50000"/>
+              </a:avLst>
+            </a:prstGeom>
+            <a:solidFill>
+              <a:schemeClr val="tx1"/>
+            </a:solidFill>
+            <a:ln>
+              <a:noFill/>
+            </a:ln>
+          </p:spPr>
+          <p:style>
+            <a:lnRef idx="2">
+              <a:schemeClr val="accent1">
+                <a:shade val="50000"/>
+              </a:schemeClr>
+            </a:lnRef>
+            <a:fillRef idx="1">
+              <a:schemeClr val="accent1"/>
+            </a:fillRef>
+            <a:effectRef idx="0">
+              <a:schemeClr val="accent1"/>
+            </a:effectRef>
+            <a:fontRef idx="minor">
+              <a:schemeClr val="lt1"/>
+            </a:fontRef>
+          </p:style>
+          <p:txBody>
+            <a:bodyPr rtlCol="0" anchor="ctr"/>
+            <a:lstStyle/>
+            <a:p>
+              <a:pPr algn="ctr"/>
+              <a:endParaRPr lang="ko-KR" altLang="en-US"/>
+            </a:p>
+          </p:txBody>
+        </p:sp>
+        <p:sp>
+          <p:nvSpPr>
+            <p:cNvPr id="87" name="화살표: 위쪽 86">
+              <a:extLst>
+                <a:ext uri="{FF2B5EF4-FFF2-40B4-BE49-F238E27FC236}">
+                  <a16:creationId xmlns:a16="http://schemas.microsoft.com/office/drawing/2014/main" id="{99D3AF80-E821-482E-8A0F-A9812E52A2E0}"/>
+                </a:ext>
+              </a:extLst>
+            </p:cNvPr>
+            <p:cNvSpPr/>
+            <p:nvPr/>
+          </p:nvSpPr>
+          <p:spPr>
+            <a:xfrm>
+              <a:off x="2670585" y="3194050"/>
+              <a:ext cx="63090" cy="679450"/>
+            </a:xfrm>
+            <a:prstGeom prst="upArrow">
+              <a:avLst>
+                <a:gd name="adj1" fmla="val 100000"/>
+                <a:gd name="adj2" fmla="val 50000"/>
+              </a:avLst>
+            </a:prstGeom>
+            <a:solidFill>
+              <a:schemeClr val="tx1"/>
+            </a:solidFill>
+            <a:ln>
+              <a:noFill/>
+            </a:ln>
+          </p:spPr>
+          <p:style>
+            <a:lnRef idx="2">
+              <a:schemeClr val="accent1">
+                <a:shade val="50000"/>
+              </a:schemeClr>
+            </a:lnRef>
+            <a:fillRef idx="1">
+              <a:schemeClr val="accent1"/>
+            </a:fillRef>
+            <a:effectRef idx="0">
+              <a:schemeClr val="accent1"/>
+            </a:effectRef>
+            <a:fontRef idx="minor">
+              <a:schemeClr val="lt1"/>
+            </a:fontRef>
+          </p:style>
+          <p:txBody>
+            <a:bodyPr rtlCol="0" anchor="ctr"/>
+            <a:lstStyle/>
+            <a:p>
+              <a:pPr algn="ctr"/>
+              <a:endParaRPr lang="ko-KR" altLang="en-US"/>
+            </a:p>
+          </p:txBody>
+        </p:sp>
+        <p:sp>
+          <p:nvSpPr>
+            <p:cNvPr id="90" name="화살표: 왼쪽/오른쪽 89">
+              <a:extLst>
+                <a:ext uri="{FF2B5EF4-FFF2-40B4-BE49-F238E27FC236}">
+                  <a16:creationId xmlns:a16="http://schemas.microsoft.com/office/drawing/2014/main" id="{181E54FC-82EB-4C11-B714-8187726DB6E7}"/>
+                </a:ext>
+              </a:extLst>
+            </p:cNvPr>
+            <p:cNvSpPr/>
+            <p:nvPr/>
+          </p:nvSpPr>
+          <p:spPr>
+            <a:xfrm>
+              <a:off x="2543380" y="3565525"/>
+              <a:ext cx="317500" cy="149225"/>
+            </a:xfrm>
+            <a:prstGeom prst="leftRightArrow">
+              <a:avLst/>
+            </a:prstGeom>
+            <a:solidFill>
+              <a:schemeClr val="tx1"/>
+            </a:solidFill>
+            <a:ln>
+              <a:noFill/>
+            </a:ln>
+          </p:spPr>
+          <p:style>
+            <a:lnRef idx="2">
+              <a:schemeClr val="accent1">
+                <a:shade val="50000"/>
+              </a:schemeClr>
+            </a:lnRef>
+            <a:fillRef idx="1">
+              <a:schemeClr val="accent1"/>
+            </a:fillRef>
+            <a:effectRef idx="0">
+              <a:schemeClr val="accent1"/>
+            </a:effectRef>
+            <a:fontRef idx="minor">
+              <a:schemeClr val="lt1"/>
+            </a:fontRef>
+          </p:style>
+          <p:txBody>
+            <a:bodyPr rtlCol="0" anchor="ctr"/>
+            <a:lstStyle/>
+            <a:p>
+              <a:pPr algn="ctr"/>
+              <a:endParaRPr lang="ko-KR" altLang="en-US"/>
+            </a:p>
+          </p:txBody>
+        </p:sp>
+      </p:grpSp>
+      <p:grpSp>
+        <p:nvGrpSpPr>
+          <p:cNvPr id="91" name="그룹 90">
+            <a:extLst>
+              <a:ext uri="{FF2B5EF4-FFF2-40B4-BE49-F238E27FC236}">
+                <a16:creationId xmlns:a16="http://schemas.microsoft.com/office/drawing/2014/main" id="{5C26A213-E992-44EB-9867-C4F0D07FB094}"/>
+              </a:ext>
+            </a:extLst>
+          </p:cNvPr>
+          <p:cNvGrpSpPr/>
+          <p:nvPr/>
+        </p:nvGrpSpPr>
+        <p:grpSpPr>
+          <a:xfrm>
+            <a:off x="11122037" y="2763085"/>
+            <a:ext cx="270000" cy="270000"/>
+            <a:chOff x="2966463" y="5812750"/>
+            <a:chExt cx="720000" cy="778250"/>
+          </a:xfrm>
+        </p:grpSpPr>
+        <p:grpSp>
+          <p:nvGrpSpPr>
+            <p:cNvPr id="92" name="그룹 91">
+              <a:extLst>
+                <a:ext uri="{FF2B5EF4-FFF2-40B4-BE49-F238E27FC236}">
+                  <a16:creationId xmlns:a16="http://schemas.microsoft.com/office/drawing/2014/main" id="{F22BBE17-6722-4933-BD8D-EE764D3418A9}"/>
+                </a:ext>
+              </a:extLst>
+            </p:cNvPr>
+            <p:cNvGrpSpPr/>
+            <p:nvPr/>
+          </p:nvGrpSpPr>
+          <p:grpSpPr>
+            <a:xfrm>
+              <a:off x="2966463" y="5871000"/>
+              <a:ext cx="720000" cy="720000"/>
+              <a:chOff x="2608003" y="3551400"/>
+              <a:chExt cx="720000" cy="720000"/>
+            </a:xfrm>
+          </p:grpSpPr>
+          <p:sp>
+            <p:nvSpPr>
+              <p:cNvPr id="101" name="막힌 원호 100">
+                <a:extLst>
+                  <a:ext uri="{FF2B5EF4-FFF2-40B4-BE49-F238E27FC236}">
+                    <a16:creationId xmlns:a16="http://schemas.microsoft.com/office/drawing/2014/main" id="{A6C3A128-294A-48E4-913C-B7D12135172A}"/>
+                  </a:ext>
+                </a:extLst>
+              </p:cNvPr>
+              <p:cNvSpPr/>
+              <p:nvPr/>
+            </p:nvSpPr>
+            <p:spPr>
+              <a:xfrm>
+                <a:off x="2608003" y="3551400"/>
+                <a:ext cx="720000" cy="720000"/>
+              </a:xfrm>
+              <a:prstGeom prst="blockArc">
+                <a:avLst>
+                  <a:gd name="adj1" fmla="val 13831934"/>
+                  <a:gd name="adj2" fmla="val 1486684"/>
+                  <a:gd name="adj3" fmla="val 7378"/>
+                </a:avLst>
+              </a:prstGeom>
+              <a:solidFill>
+                <a:schemeClr val="tx1"/>
+              </a:solidFill>
+              <a:ln>
+                <a:noFill/>
+              </a:ln>
+            </p:spPr>
+            <p:style>
+              <a:lnRef idx="2">
+                <a:schemeClr val="accent1">
+                  <a:shade val="50000"/>
+                </a:schemeClr>
+              </a:lnRef>
+              <a:fillRef idx="1">
+                <a:schemeClr val="accent1"/>
+              </a:fillRef>
+              <a:effectRef idx="0">
+                <a:schemeClr val="accent1"/>
+              </a:effectRef>
+              <a:fontRef idx="minor">
+                <a:schemeClr val="lt1"/>
+              </a:fontRef>
+            </p:style>
+            <p:txBody>
+              <a:bodyPr rtlCol="0" anchor="ctr"/>
+              <a:lstStyle/>
+              <a:p>
+                <a:pPr algn="ctr"/>
+                <a:endParaRPr lang="ko-KR" altLang="en-US">
+                  <a:solidFill>
+                    <a:schemeClr val="tx1"/>
+                  </a:solidFill>
+                </a:endParaRPr>
+              </a:p>
+            </p:txBody>
+          </p:sp>
+          <p:sp>
+            <p:nvSpPr>
+              <p:cNvPr id="107" name="막힌 원호 106">
+                <a:extLst>
+                  <a:ext uri="{FF2B5EF4-FFF2-40B4-BE49-F238E27FC236}">
+                    <a16:creationId xmlns:a16="http://schemas.microsoft.com/office/drawing/2014/main" id="{A2091956-76FA-4159-AC52-00E9EB5BBCE8}"/>
+                  </a:ext>
+                </a:extLst>
+              </p:cNvPr>
+              <p:cNvSpPr/>
+              <p:nvPr/>
+            </p:nvSpPr>
+            <p:spPr>
+              <a:xfrm>
+                <a:off x="2788003" y="3731400"/>
+                <a:ext cx="360000" cy="360000"/>
+              </a:xfrm>
+              <a:prstGeom prst="blockArc">
+                <a:avLst>
+                  <a:gd name="adj1" fmla="val 13831934"/>
+                  <a:gd name="adj2" fmla="val 1486684"/>
+                  <a:gd name="adj3" fmla="val 7378"/>
+                </a:avLst>
+              </a:prstGeom>
+              <a:solidFill>
+                <a:schemeClr val="tx1"/>
+              </a:solidFill>
+              <a:ln>
+                <a:noFill/>
+              </a:ln>
+            </p:spPr>
+            <p:style>
+              <a:lnRef idx="2">
+                <a:schemeClr val="accent1">
+                  <a:shade val="50000"/>
+                </a:schemeClr>
+              </a:lnRef>
+              <a:fillRef idx="1">
+                <a:schemeClr val="accent1"/>
+              </a:fillRef>
+              <a:effectRef idx="0">
+                <a:schemeClr val="accent1"/>
+              </a:effectRef>
+              <a:fontRef idx="minor">
+                <a:schemeClr val="lt1"/>
+              </a:fontRef>
+            </p:style>
+            <p:txBody>
+              <a:bodyPr rtlCol="0" anchor="ctr"/>
+              <a:lstStyle/>
+              <a:p>
+                <a:pPr algn="ctr"/>
+                <a:endParaRPr lang="ko-KR" altLang="en-US">
+                  <a:solidFill>
+                    <a:schemeClr val="tx1"/>
+                  </a:solidFill>
+                </a:endParaRPr>
+              </a:p>
+            </p:txBody>
+          </p:sp>
+        </p:grpSp>
+        <p:sp>
+          <p:nvSpPr>
+            <p:cNvPr id="99" name="화살표: 톱니 모양의 오른쪽 98">
+              <a:extLst>
+                <a:ext uri="{FF2B5EF4-FFF2-40B4-BE49-F238E27FC236}">
+                  <a16:creationId xmlns:a16="http://schemas.microsoft.com/office/drawing/2014/main" id="{0799C826-A89A-46D5-B887-FAA485303392}"/>
+                </a:ext>
+              </a:extLst>
+            </p:cNvPr>
+            <p:cNvSpPr/>
+            <p:nvPr/>
+          </p:nvSpPr>
+          <p:spPr>
+            <a:xfrm rot="18352414">
+              <a:off x="3163686" y="6028750"/>
+              <a:ext cx="540000" cy="108000"/>
+            </a:xfrm>
+            <a:prstGeom prst="notchedRightArrow">
+              <a:avLst/>
+            </a:prstGeom>
+            <a:solidFill>
+              <a:schemeClr val="tx1"/>
+            </a:solidFill>
+            <a:ln>
+              <a:noFill/>
+            </a:ln>
+          </p:spPr>
+          <p:style>
+            <a:lnRef idx="2">
+              <a:schemeClr val="accent1">
+                <a:shade val="50000"/>
+              </a:schemeClr>
+            </a:lnRef>
+            <a:fillRef idx="1">
+              <a:schemeClr val="accent1"/>
+            </a:fillRef>
+            <a:effectRef idx="0">
+              <a:schemeClr val="accent1"/>
+            </a:effectRef>
+            <a:fontRef idx="minor">
+              <a:schemeClr val="lt1"/>
+            </a:fontRef>
+          </p:style>
+          <p:txBody>
+            <a:bodyPr rtlCol="0" anchor="ctr"/>
+            <a:lstStyle/>
+            <a:p>
+              <a:pPr algn="ctr"/>
+              <a:endParaRPr lang="ko-KR" altLang="en-US"/>
+            </a:p>
+          </p:txBody>
+        </p:sp>
+      </p:grpSp>
+      <p:grpSp>
+        <p:nvGrpSpPr>
+          <p:cNvPr id="110" name="그룹 109">
+            <a:extLst>
+              <a:ext uri="{FF2B5EF4-FFF2-40B4-BE49-F238E27FC236}">
+                <a16:creationId xmlns:a16="http://schemas.microsoft.com/office/drawing/2014/main" id="{D5DF9BBA-2071-44D1-B2C3-75186B5BA77A}"/>
+              </a:ext>
+            </a:extLst>
+          </p:cNvPr>
+          <p:cNvGrpSpPr/>
+          <p:nvPr/>
+        </p:nvGrpSpPr>
+        <p:grpSpPr>
+          <a:xfrm rot="-1800000">
+            <a:off x="11189039" y="3126388"/>
+            <a:ext cx="180000" cy="180000"/>
+            <a:chOff x="2825750" y="2766479"/>
+            <a:chExt cx="901951" cy="929930"/>
+          </a:xfrm>
+        </p:grpSpPr>
+        <p:sp>
+          <p:nvSpPr>
+            <p:cNvPr id="111" name="타원 110">
+              <a:extLst>
+                <a:ext uri="{FF2B5EF4-FFF2-40B4-BE49-F238E27FC236}">
+                  <a16:creationId xmlns:a16="http://schemas.microsoft.com/office/drawing/2014/main" id="{545E2E5D-B44B-4A9F-83C2-71DE44422810}"/>
+                </a:ext>
+              </a:extLst>
+            </p:cNvPr>
+            <p:cNvSpPr/>
+            <p:nvPr/>
+          </p:nvSpPr>
+          <p:spPr>
+            <a:xfrm>
+              <a:off x="2825750" y="3321050"/>
+              <a:ext cx="720000" cy="360000"/>
+            </a:xfrm>
+            <a:prstGeom prst="ellipse">
+              <a:avLst/>
+            </a:prstGeom>
+            <a:solidFill>
+              <a:schemeClr val="tx1"/>
+            </a:solidFill>
+            <a:ln>
+              <a:noFill/>
+            </a:ln>
+          </p:spPr>
+          <p:style>
+            <a:lnRef idx="2">
+              <a:schemeClr val="accent1">
+                <a:shade val="50000"/>
+              </a:schemeClr>
+            </a:lnRef>
+            <a:fillRef idx="1">
+              <a:schemeClr val="accent1"/>
+            </a:fillRef>
+            <a:effectRef idx="0">
+              <a:schemeClr val="accent1"/>
+            </a:effectRef>
+            <a:fontRef idx="minor">
+              <a:schemeClr val="lt1"/>
+            </a:fontRef>
+          </p:style>
+          <p:txBody>
+            <a:bodyPr rtlCol="0" anchor="ctr"/>
+            <a:lstStyle/>
+            <a:p>
+              <a:pPr algn="ctr"/>
+              <a:endParaRPr lang="ko-KR" altLang="en-US"/>
+            </a:p>
+          </p:txBody>
+        </p:sp>
+        <p:sp>
+          <p:nvSpPr>
+            <p:cNvPr id="114" name="직사각형 113">
+              <a:extLst>
+                <a:ext uri="{FF2B5EF4-FFF2-40B4-BE49-F238E27FC236}">
+                  <a16:creationId xmlns:a16="http://schemas.microsoft.com/office/drawing/2014/main" id="{CBD67AE2-1376-43DA-808F-324607D51FF3}"/>
+                </a:ext>
+              </a:extLst>
+            </p:cNvPr>
+            <p:cNvSpPr/>
+            <p:nvPr/>
+          </p:nvSpPr>
+          <p:spPr>
+            <a:xfrm>
+              <a:off x="3185750" y="3321050"/>
+              <a:ext cx="540000" cy="360000"/>
+            </a:xfrm>
+            <a:prstGeom prst="rect">
+              <a:avLst/>
+            </a:prstGeom>
+            <a:solidFill>
+              <a:schemeClr val="tx1"/>
+            </a:solidFill>
+            <a:ln>
+              <a:noFill/>
+            </a:ln>
+          </p:spPr>
+          <p:style>
+            <a:lnRef idx="2">
+              <a:schemeClr val="accent1">
+                <a:shade val="50000"/>
+              </a:schemeClr>
+            </a:lnRef>
+            <a:fillRef idx="1">
+              <a:schemeClr val="accent1"/>
+            </a:fillRef>
+            <a:effectRef idx="0">
+              <a:schemeClr val="accent1"/>
+            </a:effectRef>
+            <a:fontRef idx="minor">
+              <a:schemeClr val="lt1"/>
+            </a:fontRef>
+          </p:style>
+          <p:txBody>
+            <a:bodyPr rtlCol="0" anchor="ctr"/>
+            <a:lstStyle/>
+            <a:p>
+              <a:pPr algn="ctr"/>
+              <a:endParaRPr lang="ko-KR" altLang="en-US"/>
+            </a:p>
+          </p:txBody>
+        </p:sp>
+        <p:sp>
+          <p:nvSpPr>
+            <p:cNvPr id="115" name="직사각형 114">
+              <a:extLst>
+                <a:ext uri="{FF2B5EF4-FFF2-40B4-BE49-F238E27FC236}">
+                  <a16:creationId xmlns:a16="http://schemas.microsoft.com/office/drawing/2014/main" id="{3917138F-8652-4351-B83D-F1F4FF23D00D}"/>
+                </a:ext>
+              </a:extLst>
+            </p:cNvPr>
+            <p:cNvSpPr/>
+            <p:nvPr/>
+          </p:nvSpPr>
+          <p:spPr>
+            <a:xfrm>
+              <a:off x="3365750" y="2766481"/>
+              <a:ext cx="360000" cy="900000"/>
+            </a:xfrm>
+            <a:prstGeom prst="rect">
+              <a:avLst/>
+            </a:prstGeom>
+            <a:solidFill>
+              <a:schemeClr val="tx1"/>
+            </a:solidFill>
+            <a:ln>
+              <a:noFill/>
+            </a:ln>
+          </p:spPr>
+          <p:style>
+            <a:lnRef idx="2">
+              <a:schemeClr val="accent1">
+                <a:shade val="50000"/>
+              </a:schemeClr>
+            </a:lnRef>
+            <a:fillRef idx="1">
+              <a:schemeClr val="accent1"/>
+            </a:fillRef>
+            <a:effectRef idx="0">
+              <a:schemeClr val="accent1"/>
+            </a:effectRef>
+            <a:fontRef idx="minor">
+              <a:schemeClr val="lt1"/>
+            </a:fontRef>
+          </p:style>
+          <p:txBody>
+            <a:bodyPr rtlCol="0" anchor="ctr"/>
+            <a:lstStyle/>
+            <a:p>
+              <a:pPr algn="ctr"/>
+              <a:endParaRPr lang="ko-KR" altLang="en-US"/>
+            </a:p>
+          </p:txBody>
+        </p:sp>
+        <p:sp>
+          <p:nvSpPr>
+            <p:cNvPr id="116" name="직각 삼각형 115">
+              <a:extLst>
+                <a:ext uri="{FF2B5EF4-FFF2-40B4-BE49-F238E27FC236}">
+                  <a16:creationId xmlns:a16="http://schemas.microsoft.com/office/drawing/2014/main" id="{D005DE6D-7092-4260-8E8B-7B815B83A0E5}"/>
+                </a:ext>
+              </a:extLst>
+            </p:cNvPr>
+            <p:cNvSpPr/>
+            <p:nvPr/>
+          </p:nvSpPr>
+          <p:spPr>
+            <a:xfrm rot="10800000">
+              <a:off x="3238499" y="2766479"/>
+              <a:ext cx="142435" cy="853019"/>
+            </a:xfrm>
+            <a:prstGeom prst="rtTriangle">
+              <a:avLst/>
+            </a:prstGeom>
+            <a:solidFill>
+              <a:schemeClr val="tx1"/>
+            </a:solidFill>
+            <a:ln>
+              <a:noFill/>
+            </a:ln>
+          </p:spPr>
+          <p:style>
+            <a:lnRef idx="2">
+              <a:schemeClr val="accent1">
+                <a:shade val="50000"/>
+              </a:schemeClr>
+            </a:lnRef>
+            <a:fillRef idx="1">
+              <a:schemeClr val="accent1"/>
+            </a:fillRef>
+            <a:effectRef idx="0">
+              <a:schemeClr val="accent1"/>
+            </a:effectRef>
+            <a:fontRef idx="minor">
+              <a:schemeClr val="lt1"/>
+            </a:fontRef>
+          </p:style>
+          <p:txBody>
+            <a:bodyPr rtlCol="0" anchor="ctr"/>
+            <a:lstStyle/>
+            <a:p>
+              <a:pPr algn="ctr"/>
+              <a:endParaRPr lang="ko-KR" altLang="en-US"/>
+            </a:p>
+          </p:txBody>
+        </p:sp>
+        <p:sp>
+          <p:nvSpPr>
+            <p:cNvPr id="117" name="직각 삼각형 116">
+              <a:extLst>
+                <a:ext uri="{FF2B5EF4-FFF2-40B4-BE49-F238E27FC236}">
+                  <a16:creationId xmlns:a16="http://schemas.microsoft.com/office/drawing/2014/main" id="{9AE125BD-93F6-4E85-890C-C97F91B04AB2}"/>
+                </a:ext>
+              </a:extLst>
+            </p:cNvPr>
+            <p:cNvSpPr/>
+            <p:nvPr/>
+          </p:nvSpPr>
+          <p:spPr>
+            <a:xfrm rot="16200000">
+              <a:off x="2841334" y="3083625"/>
+              <a:ext cx="853021" cy="312688"/>
+            </a:xfrm>
+            <a:prstGeom prst="rtTriangle">
+              <a:avLst/>
+            </a:prstGeom>
+            <a:solidFill>
+              <a:schemeClr val="tx1"/>
+            </a:solidFill>
+            <a:ln>
+              <a:noFill/>
+            </a:ln>
+          </p:spPr>
+          <p:style>
+            <a:lnRef idx="2">
+              <a:schemeClr val="accent1">
+                <a:shade val="50000"/>
+              </a:schemeClr>
+            </a:lnRef>
+            <a:fillRef idx="1">
+              <a:schemeClr val="accent1"/>
+            </a:fillRef>
+            <a:effectRef idx="0">
+              <a:schemeClr val="accent1"/>
+            </a:effectRef>
+            <a:fontRef idx="minor">
+              <a:schemeClr val="lt1"/>
+            </a:fontRef>
+          </p:style>
+          <p:txBody>
+            <a:bodyPr rtlCol="0" anchor="ctr"/>
+            <a:lstStyle/>
+            <a:p>
+              <a:pPr algn="ctr"/>
+              <a:endParaRPr lang="ko-KR" altLang="en-US"/>
+            </a:p>
+          </p:txBody>
+        </p:sp>
+        <p:sp>
+          <p:nvSpPr>
+            <p:cNvPr id="118" name="직사각형 117">
+              <a:extLst>
+                <a:ext uri="{FF2B5EF4-FFF2-40B4-BE49-F238E27FC236}">
+                  <a16:creationId xmlns:a16="http://schemas.microsoft.com/office/drawing/2014/main" id="{C3FE3183-7F22-4CF9-A46F-5ED2ADADF500}"/>
+                </a:ext>
+              </a:extLst>
+            </p:cNvPr>
+            <p:cNvSpPr/>
+            <p:nvPr/>
+          </p:nvSpPr>
+          <p:spPr>
+            <a:xfrm>
+              <a:off x="2825750" y="3501050"/>
+              <a:ext cx="901951" cy="195359"/>
+            </a:xfrm>
+            <a:prstGeom prst="rect">
+              <a:avLst/>
+            </a:prstGeom>
+            <a:solidFill>
+              <a:schemeClr val="tx1"/>
+            </a:solidFill>
+            <a:ln>
+              <a:noFill/>
+            </a:ln>
+          </p:spPr>
+          <p:style>
+            <a:lnRef idx="2">
+              <a:schemeClr val="accent1">
+                <a:shade val="50000"/>
+              </a:schemeClr>
+            </a:lnRef>
+            <a:fillRef idx="1">
+              <a:schemeClr val="accent1"/>
+            </a:fillRef>
+            <a:effectRef idx="0">
+              <a:schemeClr val="accent1"/>
+            </a:effectRef>
+            <a:fontRef idx="minor">
+              <a:schemeClr val="lt1"/>
+            </a:fontRef>
+          </p:style>
+          <p:txBody>
+            <a:bodyPr rtlCol="0" anchor="ctr"/>
+            <a:lstStyle/>
+            <a:p>
+              <a:pPr algn="ctr"/>
+              <a:endParaRPr lang="ko-KR" altLang="en-US"/>
+            </a:p>
+          </p:txBody>
+        </p:sp>
+      </p:grpSp>
+      <p:sp>
+        <p:nvSpPr>
+          <p:cNvPr id="27" name="TextBox 26">
+            <a:extLst>
+              <a:ext uri="{FF2B5EF4-FFF2-40B4-BE49-F238E27FC236}">
+                <a16:creationId xmlns:a16="http://schemas.microsoft.com/office/drawing/2014/main" id="{279D9924-AA6A-4DF0-9953-5B6EA988588A}"/>
+              </a:ext>
+            </a:extLst>
+          </p:cNvPr>
+          <p:cNvSpPr txBox="1"/>
+          <p:nvPr/>
+        </p:nvSpPr>
+        <p:spPr>
+          <a:xfrm>
+            <a:off x="899160" y="4421383"/>
+            <a:ext cx="1013460" cy="215444"/>
+          </a:xfrm>
+          <a:prstGeom prst="rect">
+            <a:avLst/>
+          </a:prstGeom>
+          <a:noFill/>
+        </p:spPr>
+        <p:txBody>
+          <a:bodyPr wrap="square" rtlCol="0">
+            <a:spAutoFit/>
+          </a:bodyPr>
+          <a:lstStyle/>
+          <a:p>
+            <a:r>
+              <a:rPr lang="ko-KR" altLang="en-US" sz="800" dirty="0"/>
+              <a:t>고유 능력</a:t>
+            </a:r>
+            <a:endParaRPr lang="en-US" altLang="ko-KR" sz="800" dirty="0"/>
+          </a:p>
+        </p:txBody>
+      </p:sp>
+      <p:sp>
+        <p:nvSpPr>
+          <p:cNvPr id="119" name="TextBox 118">
+            <a:extLst>
+              <a:ext uri="{FF2B5EF4-FFF2-40B4-BE49-F238E27FC236}">
+                <a16:creationId xmlns:a16="http://schemas.microsoft.com/office/drawing/2014/main" id="{C818BC41-CDA2-4DED-A07A-FCE965E43559}"/>
+              </a:ext>
+            </a:extLst>
+          </p:cNvPr>
+          <p:cNvSpPr txBox="1"/>
+          <p:nvPr/>
+        </p:nvSpPr>
+        <p:spPr>
+          <a:xfrm>
+            <a:off x="899160" y="464555"/>
+            <a:ext cx="1013460" cy="215444"/>
+          </a:xfrm>
+          <a:prstGeom prst="rect">
+            <a:avLst/>
+          </a:prstGeom>
+          <a:noFill/>
+        </p:spPr>
+        <p:txBody>
+          <a:bodyPr wrap="square" rtlCol="0">
+            <a:spAutoFit/>
+          </a:bodyPr>
+          <a:lstStyle/>
+          <a:p>
+            <a:r>
+              <a:rPr lang="ko-KR" altLang="en-US" sz="800" dirty="0"/>
+              <a:t>기물 이름</a:t>
+            </a:r>
+            <a:endParaRPr lang="en-US" altLang="ko-KR" sz="800" dirty="0"/>
+          </a:p>
+        </p:txBody>
+      </p:sp>
+      <p:sp>
+        <p:nvSpPr>
+          <p:cNvPr id="120" name="TextBox 119">
+            <a:extLst>
+              <a:ext uri="{FF2B5EF4-FFF2-40B4-BE49-F238E27FC236}">
+                <a16:creationId xmlns:a16="http://schemas.microsoft.com/office/drawing/2014/main" id="{6F82390A-41E3-4271-A7EA-777CCE88CE79}"/>
+              </a:ext>
+            </a:extLst>
+          </p:cNvPr>
+          <p:cNvSpPr txBox="1"/>
+          <p:nvPr/>
+        </p:nvSpPr>
+        <p:spPr>
+          <a:xfrm>
+            <a:off x="4018077" y="4035852"/>
+            <a:ext cx="350520" cy="215444"/>
+          </a:xfrm>
+          <a:prstGeom prst="rect">
+            <a:avLst/>
+          </a:prstGeom>
+          <a:noFill/>
+        </p:spPr>
+        <p:txBody>
+          <a:bodyPr wrap="square" rtlCol="0">
+            <a:spAutoFit/>
+          </a:bodyPr>
+          <a:lstStyle/>
+          <a:p>
+            <a:r>
+              <a:rPr lang="en-US" altLang="ko-KR" sz="800" b="1" dirty="0"/>
+              <a:t>12</a:t>
+            </a:r>
+          </a:p>
+        </p:txBody>
+      </p:sp>
+      <p:sp>
+        <p:nvSpPr>
+          <p:cNvPr id="121" name="TextBox 120">
+            <a:extLst>
+              <a:ext uri="{FF2B5EF4-FFF2-40B4-BE49-F238E27FC236}">
+                <a16:creationId xmlns:a16="http://schemas.microsoft.com/office/drawing/2014/main" id="{B001CE33-206F-456D-B686-A3E0CBA84EDB}"/>
+              </a:ext>
+            </a:extLst>
+          </p:cNvPr>
+          <p:cNvSpPr txBox="1"/>
+          <p:nvPr/>
+        </p:nvSpPr>
+        <p:spPr>
+          <a:xfrm>
+            <a:off x="4033412" y="4395852"/>
+            <a:ext cx="350520" cy="215444"/>
+          </a:xfrm>
+          <a:prstGeom prst="rect">
+            <a:avLst/>
+          </a:prstGeom>
+          <a:noFill/>
+        </p:spPr>
+        <p:txBody>
+          <a:bodyPr wrap="square" rtlCol="0">
+            <a:spAutoFit/>
+          </a:bodyPr>
+          <a:lstStyle/>
+          <a:p>
+            <a:r>
+              <a:rPr lang="en-US" altLang="ko-KR" sz="800" b="1" dirty="0"/>
+              <a:t>2</a:t>
+            </a:r>
+          </a:p>
+        </p:txBody>
+      </p:sp>
+      <p:sp>
+        <p:nvSpPr>
+          <p:cNvPr id="122" name="TextBox 121">
+            <a:extLst>
+              <a:ext uri="{FF2B5EF4-FFF2-40B4-BE49-F238E27FC236}">
+                <a16:creationId xmlns:a16="http://schemas.microsoft.com/office/drawing/2014/main" id="{8FFD9664-2D83-42E1-9CCD-C4F7830742ED}"/>
+              </a:ext>
+            </a:extLst>
+          </p:cNvPr>
+          <p:cNvSpPr txBox="1"/>
+          <p:nvPr/>
+        </p:nvSpPr>
+        <p:spPr>
+          <a:xfrm>
+            <a:off x="4018077" y="4767453"/>
+            <a:ext cx="350520" cy="215444"/>
+          </a:xfrm>
+          <a:prstGeom prst="rect">
+            <a:avLst/>
+          </a:prstGeom>
+          <a:noFill/>
+        </p:spPr>
+        <p:txBody>
+          <a:bodyPr wrap="square" rtlCol="0">
+            <a:spAutoFit/>
+          </a:bodyPr>
+          <a:lstStyle/>
+          <a:p>
+            <a:r>
+              <a:rPr lang="en-US" altLang="ko-KR" sz="800" b="1" dirty="0"/>
+              <a:t>1</a:t>
+            </a:r>
+          </a:p>
+        </p:txBody>
+      </p:sp>
+      <p:sp>
+        <p:nvSpPr>
+          <p:cNvPr id="123" name="TextBox 122">
+            <a:extLst>
+              <a:ext uri="{FF2B5EF4-FFF2-40B4-BE49-F238E27FC236}">
+                <a16:creationId xmlns:a16="http://schemas.microsoft.com/office/drawing/2014/main" id="{7F975973-5AB4-41AD-AA38-ECEA0E3CD811}"/>
+              </a:ext>
+            </a:extLst>
+          </p:cNvPr>
+          <p:cNvSpPr txBox="1"/>
+          <p:nvPr/>
+        </p:nvSpPr>
+        <p:spPr>
+          <a:xfrm>
+            <a:off x="4028613" y="5118817"/>
+            <a:ext cx="350520" cy="215444"/>
+          </a:xfrm>
+          <a:prstGeom prst="rect">
+            <a:avLst/>
+          </a:prstGeom>
+          <a:noFill/>
+        </p:spPr>
+        <p:txBody>
+          <a:bodyPr wrap="square" rtlCol="0">
+            <a:spAutoFit/>
+          </a:bodyPr>
+          <a:lstStyle/>
+          <a:p>
+            <a:r>
+              <a:rPr lang="en-US" altLang="ko-KR" sz="800" b="1" dirty="0"/>
+              <a:t>3</a:t>
+            </a:r>
+          </a:p>
+        </p:txBody>
+      </p:sp>
+      <p:sp>
+        <p:nvSpPr>
+          <p:cNvPr id="124" name="TextBox 123">
+            <a:extLst>
+              <a:ext uri="{FF2B5EF4-FFF2-40B4-BE49-F238E27FC236}">
+                <a16:creationId xmlns:a16="http://schemas.microsoft.com/office/drawing/2014/main" id="{B9DB7EF0-2B02-41FB-91D8-8D413411A342}"/>
+              </a:ext>
+            </a:extLst>
+          </p:cNvPr>
+          <p:cNvSpPr txBox="1"/>
+          <p:nvPr/>
+        </p:nvSpPr>
+        <p:spPr>
+          <a:xfrm>
+            <a:off x="3317124" y="729152"/>
+            <a:ext cx="747471" cy="215444"/>
+          </a:xfrm>
+          <a:prstGeom prst="rect">
+            <a:avLst/>
+          </a:prstGeom>
+          <a:noFill/>
+        </p:spPr>
+        <p:txBody>
+          <a:bodyPr wrap="square" rtlCol="0">
+            <a:spAutoFit/>
+          </a:bodyPr>
+          <a:lstStyle/>
+          <a:p>
+            <a:r>
+              <a:rPr lang="ko-KR" altLang="en-US" sz="800" dirty="0"/>
+              <a:t>기물 클래스</a:t>
+            </a:r>
+            <a:endParaRPr lang="en-US" altLang="ko-KR" sz="800" dirty="0"/>
+          </a:p>
+        </p:txBody>
+      </p:sp>
+      <p:grpSp>
+        <p:nvGrpSpPr>
+          <p:cNvPr id="31" name="그룹 30">
+            <a:extLst>
+              <a:ext uri="{FF2B5EF4-FFF2-40B4-BE49-F238E27FC236}">
+                <a16:creationId xmlns:a16="http://schemas.microsoft.com/office/drawing/2014/main" id="{3B42AA37-C44D-4C9B-B257-054444CCFC6A}"/>
+              </a:ext>
+            </a:extLst>
+          </p:cNvPr>
+          <p:cNvGrpSpPr/>
+          <p:nvPr/>
+        </p:nvGrpSpPr>
+        <p:grpSpPr>
+          <a:xfrm>
+            <a:off x="3421358" y="483990"/>
+            <a:ext cx="181685" cy="264653"/>
+            <a:chOff x="5670339" y="1442460"/>
+            <a:chExt cx="1855992" cy="2038775"/>
+          </a:xfrm>
+        </p:grpSpPr>
+        <p:sp>
+          <p:nvSpPr>
+            <p:cNvPr id="29" name="자유형: 도형 28">
+              <a:extLst>
+                <a:ext uri="{FF2B5EF4-FFF2-40B4-BE49-F238E27FC236}">
+                  <a16:creationId xmlns:a16="http://schemas.microsoft.com/office/drawing/2014/main" id="{25F3FDCE-F835-4066-8772-7F56D84EC290}"/>
+                </a:ext>
+              </a:extLst>
+            </p:cNvPr>
+            <p:cNvSpPr/>
+            <p:nvPr/>
+          </p:nvSpPr>
+          <p:spPr>
+            <a:xfrm>
+              <a:off x="5670339" y="1520265"/>
+              <a:ext cx="656859" cy="1960970"/>
+            </a:xfrm>
+            <a:custGeom>
+              <a:avLst/>
+              <a:gdLst>
+                <a:gd name="connsiteX0" fmla="*/ 1257300 w 1257300"/>
+                <a:gd name="connsiteY0" fmla="*/ 0 h 1694023"/>
+                <a:gd name="connsiteX1" fmla="*/ 594360 w 1257300"/>
+                <a:gd name="connsiteY1" fmla="*/ 1653540 h 1694023"/>
+                <a:gd name="connsiteX2" fmla="*/ 0 w 1257300"/>
+                <a:gd name="connsiteY2" fmla="*/ 1150620 h 1694023"/>
+              </a:gdLst>
+              <a:ahLst/>
+              <a:cxnLst>
+                <a:cxn ang="0">
+                  <a:pos x="connsiteX0" y="connsiteY0"/>
+                </a:cxn>
+                <a:cxn ang="0">
+                  <a:pos x="connsiteX1" y="connsiteY1"/>
+                </a:cxn>
+                <a:cxn ang="0">
+                  <a:pos x="connsiteX2" y="connsiteY2"/>
+                </a:cxn>
+              </a:cxnLst>
+              <a:rect l="l" t="t" r="r" b="b"/>
+              <a:pathLst>
+                <a:path w="1257300" h="1694023">
+                  <a:moveTo>
+                    <a:pt x="1257300" y="0"/>
+                  </a:moveTo>
+                  <a:cubicBezTo>
+                    <a:pt x="1030605" y="730885"/>
+                    <a:pt x="803910" y="1461770"/>
+                    <a:pt x="594360" y="1653540"/>
+                  </a:cubicBezTo>
+                  <a:cubicBezTo>
+                    <a:pt x="384810" y="1845310"/>
+                    <a:pt x="80010" y="1301750"/>
+                    <a:pt x="0" y="1150620"/>
+                  </a:cubicBezTo>
+                </a:path>
+              </a:pathLst>
+            </a:custGeom>
+            <a:noFill/>
+            <a:ln w="12700">
+              <a:solidFill>
+                <a:schemeClr val="tx1"/>
+              </a:solidFill>
+            </a:ln>
+          </p:spPr>
+          <p:style>
+            <a:lnRef idx="2">
+              <a:schemeClr val="accent1">
+                <a:shade val="50000"/>
+              </a:schemeClr>
+            </a:lnRef>
+            <a:fillRef idx="1">
+              <a:schemeClr val="accent1"/>
+            </a:fillRef>
+            <a:effectRef idx="0">
+              <a:schemeClr val="accent1"/>
+            </a:effectRef>
+            <a:fontRef idx="minor">
+              <a:schemeClr val="lt1"/>
+            </a:fontRef>
+          </p:style>
+          <p:txBody>
+            <a:bodyPr rtlCol="0" anchor="ctr"/>
+            <a:lstStyle/>
+            <a:p>
+              <a:pPr algn="ctr"/>
+              <a:endParaRPr lang="ko-KR" altLang="en-US"/>
+            </a:p>
+          </p:txBody>
+        </p:sp>
+        <p:sp>
+          <p:nvSpPr>
+            <p:cNvPr id="30" name="자유형: 도형 29">
+              <a:extLst>
+                <a:ext uri="{FF2B5EF4-FFF2-40B4-BE49-F238E27FC236}">
+                  <a16:creationId xmlns:a16="http://schemas.microsoft.com/office/drawing/2014/main" id="{02F0EEC3-EADF-4F48-885D-ABDB3CF32B96}"/>
+                </a:ext>
+              </a:extLst>
+            </p:cNvPr>
+            <p:cNvSpPr/>
+            <p:nvPr/>
+          </p:nvSpPr>
+          <p:spPr>
+            <a:xfrm>
+              <a:off x="5815751" y="1442460"/>
+              <a:ext cx="1710580" cy="869178"/>
+            </a:xfrm>
+            <a:custGeom>
+              <a:avLst/>
+              <a:gdLst>
+                <a:gd name="connsiteX0" fmla="*/ 396240 w 1710580"/>
+                <a:gd name="connsiteY0" fmla="*/ 108443 h 869178"/>
+                <a:gd name="connsiteX1" fmla="*/ 1676400 w 1710580"/>
+                <a:gd name="connsiteY1" fmla="*/ 62723 h 869178"/>
+                <a:gd name="connsiteX2" fmla="*/ 1226820 w 1710580"/>
+                <a:gd name="connsiteY2" fmla="*/ 855203 h 869178"/>
+                <a:gd name="connsiteX3" fmla="*/ 0 w 1710580"/>
+                <a:gd name="connsiteY3" fmla="*/ 550403 h 869178"/>
+              </a:gdLst>
+              <a:ahLst/>
+              <a:cxnLst>
+                <a:cxn ang="0">
+                  <a:pos x="connsiteX0" y="connsiteY0"/>
+                </a:cxn>
+                <a:cxn ang="0">
+                  <a:pos x="connsiteX1" y="connsiteY1"/>
+                </a:cxn>
+                <a:cxn ang="0">
+                  <a:pos x="connsiteX2" y="connsiteY2"/>
+                </a:cxn>
+                <a:cxn ang="0">
+                  <a:pos x="connsiteX3" y="connsiteY3"/>
+                </a:cxn>
+              </a:cxnLst>
+              <a:rect l="l" t="t" r="r" b="b"/>
+              <a:pathLst>
+                <a:path w="1710580" h="869178">
+                  <a:moveTo>
+                    <a:pt x="396240" y="108443"/>
+                  </a:moveTo>
+                  <a:cubicBezTo>
+                    <a:pt x="967105" y="23353"/>
+                    <a:pt x="1537970" y="-61737"/>
+                    <a:pt x="1676400" y="62723"/>
+                  </a:cubicBezTo>
+                  <a:cubicBezTo>
+                    <a:pt x="1814830" y="187183"/>
+                    <a:pt x="1506220" y="773923"/>
+                    <a:pt x="1226820" y="855203"/>
+                  </a:cubicBezTo>
+                  <a:cubicBezTo>
+                    <a:pt x="947420" y="936483"/>
+                    <a:pt x="236220" y="640573"/>
+                    <a:pt x="0" y="550403"/>
+                  </a:cubicBezTo>
+                </a:path>
+              </a:pathLst>
+            </a:custGeom>
+            <a:noFill/>
+            <a:ln w="12700">
+              <a:solidFill>
+                <a:schemeClr val="tx1"/>
+              </a:solidFill>
+            </a:ln>
+          </p:spPr>
+          <p:style>
+            <a:lnRef idx="2">
+              <a:schemeClr val="accent1">
+                <a:shade val="50000"/>
+              </a:schemeClr>
+            </a:lnRef>
+            <a:fillRef idx="1">
+              <a:schemeClr val="accent1"/>
+            </a:fillRef>
+            <a:effectRef idx="0">
+              <a:schemeClr val="accent1"/>
+            </a:effectRef>
+            <a:fontRef idx="minor">
+              <a:schemeClr val="lt1"/>
+            </a:fontRef>
+          </p:style>
+          <p:txBody>
+            <a:bodyPr rtlCol="0" anchor="ctr"/>
+            <a:lstStyle/>
+            <a:p>
+              <a:pPr algn="ctr"/>
+              <a:endParaRPr lang="ko-KR" altLang="en-US"/>
+            </a:p>
+          </p:txBody>
+        </p:sp>
+      </p:grpSp>
+      <p:grpSp>
+        <p:nvGrpSpPr>
+          <p:cNvPr id="125" name="그룹 124">
+            <a:extLst>
+              <a:ext uri="{FF2B5EF4-FFF2-40B4-BE49-F238E27FC236}">
+                <a16:creationId xmlns:a16="http://schemas.microsoft.com/office/drawing/2014/main" id="{3E06CE18-D880-49FB-AC33-1956B06F9796}"/>
+              </a:ext>
+            </a:extLst>
+          </p:cNvPr>
+          <p:cNvGrpSpPr>
+            <a:grpSpLocks noChangeAspect="1"/>
+          </p:cNvGrpSpPr>
+          <p:nvPr/>
+        </p:nvGrpSpPr>
+        <p:grpSpPr>
+          <a:xfrm>
+            <a:off x="3826995" y="473016"/>
+            <a:ext cx="201618" cy="267984"/>
+            <a:chOff x="5419239" y="2733395"/>
+            <a:chExt cx="1587798" cy="2232088"/>
+          </a:xfrm>
+          <a:solidFill>
+            <a:schemeClr val="tx1"/>
+          </a:solidFill>
+        </p:grpSpPr>
+        <p:sp>
+          <p:nvSpPr>
+            <p:cNvPr id="126" name="직각 삼각형 125">
+              <a:extLst>
+                <a:ext uri="{FF2B5EF4-FFF2-40B4-BE49-F238E27FC236}">
+                  <a16:creationId xmlns:a16="http://schemas.microsoft.com/office/drawing/2014/main" id="{12A9E4CD-E575-495F-B9E3-B52761D46B6E}"/>
+                </a:ext>
+              </a:extLst>
+            </p:cNvPr>
+            <p:cNvSpPr/>
+            <p:nvPr/>
+          </p:nvSpPr>
+          <p:spPr>
+            <a:xfrm rot="16200000">
+              <a:off x="5579379" y="3911789"/>
+              <a:ext cx="1335858" cy="771530"/>
+            </a:xfrm>
+            <a:prstGeom prst="rtTriangle">
+              <a:avLst/>
+            </a:prstGeom>
+            <a:grpFill/>
+            <a:ln>
+              <a:noFill/>
+            </a:ln>
+          </p:spPr>
+          <p:style>
+            <a:lnRef idx="2">
+              <a:schemeClr val="accent1">
+                <a:shade val="50000"/>
+              </a:schemeClr>
+            </a:lnRef>
+            <a:fillRef idx="1">
+              <a:schemeClr val="accent1"/>
+            </a:fillRef>
+            <a:effectRef idx="0">
+              <a:schemeClr val="accent1"/>
+            </a:effectRef>
+            <a:fontRef idx="minor">
+              <a:schemeClr val="lt1"/>
+            </a:fontRef>
+          </p:style>
+          <p:txBody>
+            <a:bodyPr rtlCol="0" anchor="ctr"/>
+            <a:lstStyle/>
+            <a:p>
+              <a:pPr algn="ctr"/>
+              <a:endParaRPr lang="ko-KR" altLang="en-US"/>
+            </a:p>
+          </p:txBody>
+        </p:sp>
+        <p:sp>
+          <p:nvSpPr>
+            <p:cNvPr id="127" name="부분 원형 126">
+              <a:extLst>
+                <a:ext uri="{FF2B5EF4-FFF2-40B4-BE49-F238E27FC236}">
+                  <a16:creationId xmlns:a16="http://schemas.microsoft.com/office/drawing/2014/main" id="{42318E73-C333-495A-97F1-B168D6A2916B}"/>
+                </a:ext>
+              </a:extLst>
+            </p:cNvPr>
+            <p:cNvSpPr/>
+            <p:nvPr/>
+          </p:nvSpPr>
+          <p:spPr>
+            <a:xfrm>
+              <a:off x="6033003" y="3246714"/>
+              <a:ext cx="971550" cy="1050839"/>
+            </a:xfrm>
+            <a:prstGeom prst="pie">
+              <a:avLst>
+                <a:gd name="adj1" fmla="val 14520636"/>
+                <a:gd name="adj2" fmla="val 5400000"/>
+              </a:avLst>
+            </a:prstGeom>
+            <a:grpFill/>
+            <a:ln>
+              <a:noFill/>
+            </a:ln>
+          </p:spPr>
+          <p:style>
+            <a:lnRef idx="2">
+              <a:schemeClr val="accent1">
+                <a:shade val="50000"/>
+              </a:schemeClr>
+            </a:lnRef>
+            <a:fillRef idx="1">
+              <a:schemeClr val="accent1"/>
+            </a:fillRef>
+            <a:effectRef idx="0">
+              <a:schemeClr val="accent1"/>
+            </a:effectRef>
+            <a:fontRef idx="minor">
+              <a:schemeClr val="lt1"/>
+            </a:fontRef>
+          </p:style>
+          <p:txBody>
+            <a:bodyPr rtlCol="0" anchor="ctr"/>
+            <a:lstStyle/>
+            <a:p>
+              <a:pPr algn="ctr"/>
+              <a:endParaRPr lang="ko-KR" altLang="en-US">
+                <a:solidFill>
+                  <a:schemeClr val="tx1"/>
+                </a:solidFill>
+              </a:endParaRPr>
+            </a:p>
+          </p:txBody>
+        </p:sp>
+        <p:sp>
+          <p:nvSpPr>
+            <p:cNvPr id="128" name="직사각형 127">
+              <a:extLst>
+                <a:ext uri="{FF2B5EF4-FFF2-40B4-BE49-F238E27FC236}">
+                  <a16:creationId xmlns:a16="http://schemas.microsoft.com/office/drawing/2014/main" id="{F5EC9BBD-A275-4D4D-BF4F-99048D149B2B}"/>
+                </a:ext>
+              </a:extLst>
+            </p:cNvPr>
+            <p:cNvSpPr/>
+            <p:nvPr/>
+          </p:nvSpPr>
+          <p:spPr>
+            <a:xfrm>
+              <a:off x="6521262" y="3716516"/>
+              <a:ext cx="485775" cy="1248967"/>
+            </a:xfrm>
+            <a:prstGeom prst="rect">
+              <a:avLst/>
+            </a:prstGeom>
+            <a:grpFill/>
+            <a:ln>
+              <a:noFill/>
+            </a:ln>
+          </p:spPr>
+          <p:style>
+            <a:lnRef idx="2">
+              <a:schemeClr val="accent1">
+                <a:shade val="50000"/>
+              </a:schemeClr>
+            </a:lnRef>
+            <a:fillRef idx="1">
+              <a:schemeClr val="accent1"/>
+            </a:fillRef>
+            <a:effectRef idx="0">
+              <a:schemeClr val="accent1"/>
+            </a:effectRef>
+            <a:fontRef idx="minor">
+              <a:schemeClr val="lt1"/>
+            </a:fontRef>
+          </p:style>
+          <p:txBody>
+            <a:bodyPr rtlCol="0" anchor="ctr"/>
+            <a:lstStyle/>
+            <a:p>
+              <a:pPr algn="ctr"/>
+              <a:endParaRPr lang="ko-KR" altLang="en-US"/>
+            </a:p>
+          </p:txBody>
+        </p:sp>
+        <p:sp>
+          <p:nvSpPr>
+            <p:cNvPr id="129" name="직각 삼각형 128">
+              <a:extLst>
+                <a:ext uri="{FF2B5EF4-FFF2-40B4-BE49-F238E27FC236}">
+                  <a16:creationId xmlns:a16="http://schemas.microsoft.com/office/drawing/2014/main" id="{41D9678A-CB0F-45A0-9A44-A82080BD5A80}"/>
+                </a:ext>
+              </a:extLst>
+            </p:cNvPr>
+            <p:cNvSpPr/>
+            <p:nvPr/>
+          </p:nvSpPr>
+          <p:spPr>
+            <a:xfrm rot="14114397">
+              <a:off x="5771741" y="3045272"/>
+              <a:ext cx="385189" cy="1090194"/>
+            </a:xfrm>
+            <a:prstGeom prst="rtTriangle">
+              <a:avLst/>
+            </a:prstGeom>
+            <a:grpFill/>
+            <a:ln>
+              <a:noFill/>
+            </a:ln>
+          </p:spPr>
+          <p:style>
+            <a:lnRef idx="2">
+              <a:schemeClr val="accent1">
+                <a:shade val="50000"/>
+              </a:schemeClr>
+            </a:lnRef>
+            <a:fillRef idx="1">
+              <a:schemeClr val="accent1"/>
+            </a:fillRef>
+            <a:effectRef idx="0">
+              <a:schemeClr val="accent1"/>
+            </a:effectRef>
+            <a:fontRef idx="minor">
+              <a:schemeClr val="lt1"/>
+            </a:fontRef>
+          </p:style>
+          <p:txBody>
+            <a:bodyPr rtlCol="0" anchor="ctr"/>
+            <a:lstStyle/>
+            <a:p>
+              <a:pPr algn="ctr"/>
+              <a:endParaRPr lang="ko-KR" altLang="en-US"/>
+            </a:p>
+          </p:txBody>
+        </p:sp>
+        <p:sp>
+          <p:nvSpPr>
+            <p:cNvPr id="130" name="직사각형 129">
+              <a:extLst>
+                <a:ext uri="{FF2B5EF4-FFF2-40B4-BE49-F238E27FC236}">
+                  <a16:creationId xmlns:a16="http://schemas.microsoft.com/office/drawing/2014/main" id="{C405F5C7-4DED-49F9-BB91-C80A2278D903}"/>
+                </a:ext>
+              </a:extLst>
+            </p:cNvPr>
+            <p:cNvSpPr/>
+            <p:nvPr/>
+          </p:nvSpPr>
+          <p:spPr>
+            <a:xfrm rot="14114397">
+              <a:off x="6050523" y="3203454"/>
+              <a:ext cx="473028" cy="1313012"/>
+            </a:xfrm>
+            <a:prstGeom prst="rect">
+              <a:avLst/>
+            </a:prstGeom>
+            <a:grpFill/>
+            <a:ln>
+              <a:noFill/>
+            </a:ln>
+          </p:spPr>
+          <p:style>
+            <a:lnRef idx="2">
+              <a:schemeClr val="accent1">
+                <a:shade val="50000"/>
+              </a:schemeClr>
+            </a:lnRef>
+            <a:fillRef idx="1">
+              <a:schemeClr val="accent1"/>
+            </a:fillRef>
+            <a:effectRef idx="0">
+              <a:schemeClr val="accent1"/>
+            </a:effectRef>
+            <a:fontRef idx="minor">
+              <a:schemeClr val="lt1"/>
+            </a:fontRef>
+          </p:style>
+          <p:txBody>
+            <a:bodyPr rtlCol="0" anchor="ctr"/>
+            <a:lstStyle/>
+            <a:p>
+              <a:pPr algn="ctr"/>
+              <a:endParaRPr lang="ko-KR" altLang="en-US"/>
+            </a:p>
+          </p:txBody>
+        </p:sp>
+        <p:sp>
+          <p:nvSpPr>
+            <p:cNvPr id="131" name="직각 삼각형 130">
+              <a:extLst>
+                <a:ext uri="{FF2B5EF4-FFF2-40B4-BE49-F238E27FC236}">
+                  <a16:creationId xmlns:a16="http://schemas.microsoft.com/office/drawing/2014/main" id="{6A17C25D-F4D2-469B-8863-0AD942918A41}"/>
+                </a:ext>
+              </a:extLst>
+            </p:cNvPr>
+            <p:cNvSpPr/>
+            <p:nvPr/>
+          </p:nvSpPr>
+          <p:spPr>
+            <a:xfrm rot="14114397" flipV="1">
+              <a:off x="5966651" y="2920845"/>
+              <a:ext cx="624356" cy="249455"/>
+            </a:xfrm>
+            <a:prstGeom prst="rtTriangle">
+              <a:avLst/>
+            </a:prstGeom>
+            <a:grpFill/>
+            <a:ln>
+              <a:noFill/>
+            </a:ln>
+          </p:spPr>
+          <p:style>
+            <a:lnRef idx="2">
+              <a:schemeClr val="accent1">
+                <a:shade val="50000"/>
+              </a:schemeClr>
+            </a:lnRef>
+            <a:fillRef idx="1">
+              <a:schemeClr val="accent1"/>
+            </a:fillRef>
+            <a:effectRef idx="0">
+              <a:schemeClr val="accent1"/>
+            </a:effectRef>
+            <a:fontRef idx="minor">
+              <a:schemeClr val="lt1"/>
+            </a:fontRef>
+          </p:style>
+          <p:txBody>
+            <a:bodyPr rtlCol="0" anchor="ctr"/>
+            <a:lstStyle/>
+            <a:p>
+              <a:pPr algn="ctr"/>
+              <a:endParaRPr lang="ko-KR" altLang="en-US"/>
+            </a:p>
+          </p:txBody>
+        </p:sp>
+        <p:sp>
+          <p:nvSpPr>
+            <p:cNvPr id="132" name="순서도: 수동 입력 131">
+              <a:extLst>
+                <a:ext uri="{FF2B5EF4-FFF2-40B4-BE49-F238E27FC236}">
+                  <a16:creationId xmlns:a16="http://schemas.microsoft.com/office/drawing/2014/main" id="{6AAA41DA-6B18-4B06-B054-5045A248808E}"/>
+                </a:ext>
+              </a:extLst>
+            </p:cNvPr>
+            <p:cNvSpPr/>
+            <p:nvPr/>
+          </p:nvSpPr>
+          <p:spPr>
+            <a:xfrm rot="3519313">
+              <a:off x="6128418" y="3318524"/>
+              <a:ext cx="1232516" cy="453479"/>
+            </a:xfrm>
+            <a:prstGeom prst="flowChartManualInput">
+              <a:avLst/>
+            </a:prstGeom>
+            <a:grpFill/>
+            <a:ln>
+              <a:noFill/>
+            </a:ln>
+          </p:spPr>
+          <p:style>
+            <a:lnRef idx="2">
+              <a:schemeClr val="accent1">
+                <a:shade val="50000"/>
+              </a:schemeClr>
+            </a:lnRef>
+            <a:fillRef idx="1">
+              <a:schemeClr val="accent1"/>
+            </a:fillRef>
+            <a:effectRef idx="0">
+              <a:schemeClr val="accent1"/>
+            </a:effectRef>
+            <a:fontRef idx="minor">
+              <a:schemeClr val="lt1"/>
+            </a:fontRef>
+          </p:style>
+          <p:txBody>
+            <a:bodyPr rtlCol="0" anchor="ctr"/>
+            <a:lstStyle/>
+            <a:p>
+              <a:pPr algn="ctr"/>
+              <a:endParaRPr lang="ko-KR" altLang="en-US"/>
+            </a:p>
+          </p:txBody>
+        </p:sp>
+        <p:sp>
+          <p:nvSpPr>
+            <p:cNvPr id="133" name="부분 원형 132">
+              <a:extLst>
+                <a:ext uri="{FF2B5EF4-FFF2-40B4-BE49-F238E27FC236}">
+                  <a16:creationId xmlns:a16="http://schemas.microsoft.com/office/drawing/2014/main" id="{29CA7FEA-FBEE-4B33-A646-12A160242A98}"/>
+                </a:ext>
+              </a:extLst>
+            </p:cNvPr>
+            <p:cNvSpPr/>
+            <p:nvPr/>
+          </p:nvSpPr>
+          <p:spPr>
+            <a:xfrm rot="16596932">
+              <a:off x="5513984" y="3508150"/>
+              <a:ext cx="512811" cy="633190"/>
+            </a:xfrm>
+            <a:prstGeom prst="pie">
+              <a:avLst>
+                <a:gd name="adj1" fmla="val 2113909"/>
+                <a:gd name="adj2" fmla="val 12521514"/>
+              </a:avLst>
+            </a:prstGeom>
+            <a:grpFill/>
+            <a:ln>
+              <a:noFill/>
+            </a:ln>
+          </p:spPr>
+          <p:style>
+            <a:lnRef idx="2">
+              <a:schemeClr val="accent1">
+                <a:shade val="50000"/>
+              </a:schemeClr>
+            </a:lnRef>
+            <a:fillRef idx="1">
+              <a:schemeClr val="accent1"/>
+            </a:fillRef>
+            <a:effectRef idx="0">
+              <a:schemeClr val="accent1"/>
+            </a:effectRef>
+            <a:fontRef idx="minor">
+              <a:schemeClr val="lt1"/>
+            </a:fontRef>
+          </p:style>
+          <p:txBody>
+            <a:bodyPr rtlCol="0" anchor="ctr"/>
+            <a:lstStyle/>
+            <a:p>
+              <a:pPr algn="ctr"/>
+              <a:endParaRPr lang="ko-KR" altLang="en-US">
+                <a:solidFill>
+                  <a:schemeClr val="tx1"/>
+                </a:solidFill>
+              </a:endParaRPr>
+            </a:p>
+          </p:txBody>
+        </p:sp>
+      </p:grpSp>
+      <p:grpSp>
+        <p:nvGrpSpPr>
+          <p:cNvPr id="134" name="그룹 133">
+            <a:extLst>
+              <a:ext uri="{FF2B5EF4-FFF2-40B4-BE49-F238E27FC236}">
+                <a16:creationId xmlns:a16="http://schemas.microsoft.com/office/drawing/2014/main" id="{C3BD84DF-AF47-4818-B8A0-516486B3DC44}"/>
+              </a:ext>
+            </a:extLst>
+          </p:cNvPr>
+          <p:cNvGrpSpPr>
+            <a:grpSpLocks noChangeAspect="1"/>
+          </p:cNvGrpSpPr>
+          <p:nvPr/>
+        </p:nvGrpSpPr>
+        <p:grpSpPr>
+          <a:xfrm>
+            <a:off x="4059525" y="488814"/>
+            <a:ext cx="155217" cy="265580"/>
+            <a:chOff x="5639297" y="2981325"/>
+            <a:chExt cx="1442248" cy="2390027"/>
+          </a:xfrm>
+          <a:solidFill>
+            <a:schemeClr val="tx1"/>
+          </a:solidFill>
+        </p:grpSpPr>
+        <p:sp>
+          <p:nvSpPr>
+            <p:cNvPr id="135" name="직사각형 134">
+              <a:extLst>
+                <a:ext uri="{FF2B5EF4-FFF2-40B4-BE49-F238E27FC236}">
+                  <a16:creationId xmlns:a16="http://schemas.microsoft.com/office/drawing/2014/main" id="{71DE89F8-0D81-402D-B329-C02404E6CB91}"/>
+                </a:ext>
+              </a:extLst>
+            </p:cNvPr>
+            <p:cNvSpPr/>
+            <p:nvPr/>
+          </p:nvSpPr>
+          <p:spPr>
+            <a:xfrm>
+              <a:off x="6811545" y="2981325"/>
+              <a:ext cx="270000" cy="540000"/>
+            </a:xfrm>
+            <a:prstGeom prst="rect">
+              <a:avLst/>
+            </a:prstGeom>
+            <a:grpFill/>
+            <a:ln>
+              <a:noFill/>
+            </a:ln>
+          </p:spPr>
+          <p:style>
+            <a:lnRef idx="2">
+              <a:schemeClr val="accent1">
+                <a:shade val="50000"/>
+              </a:schemeClr>
+            </a:lnRef>
+            <a:fillRef idx="1">
+              <a:schemeClr val="accent1"/>
+            </a:fillRef>
+            <a:effectRef idx="0">
+              <a:schemeClr val="accent1"/>
+            </a:effectRef>
+            <a:fontRef idx="minor">
+              <a:schemeClr val="lt1"/>
+            </a:fontRef>
+          </p:style>
+          <p:txBody>
+            <a:bodyPr rtlCol="0" anchor="ctr"/>
+            <a:lstStyle/>
+            <a:p>
+              <a:pPr algn="ctr"/>
+              <a:endParaRPr lang="ko-KR" altLang="en-US"/>
+            </a:p>
+          </p:txBody>
+        </p:sp>
+        <p:sp>
+          <p:nvSpPr>
+            <p:cNvPr id="136" name="직사각형 135">
+              <a:extLst>
+                <a:ext uri="{FF2B5EF4-FFF2-40B4-BE49-F238E27FC236}">
+                  <a16:creationId xmlns:a16="http://schemas.microsoft.com/office/drawing/2014/main" id="{20FA03F1-C399-4CF6-8F14-34AB4360F65B}"/>
+                </a:ext>
+              </a:extLst>
+            </p:cNvPr>
+            <p:cNvSpPr/>
+            <p:nvPr/>
+          </p:nvSpPr>
+          <p:spPr>
+            <a:xfrm>
+              <a:off x="6091545" y="2981325"/>
+              <a:ext cx="540000" cy="540000"/>
+            </a:xfrm>
+            <a:prstGeom prst="rect">
+              <a:avLst/>
+            </a:prstGeom>
+            <a:grpFill/>
+            <a:ln>
+              <a:noFill/>
+            </a:ln>
+          </p:spPr>
+          <p:style>
+            <a:lnRef idx="2">
+              <a:schemeClr val="accent1">
+                <a:shade val="50000"/>
+              </a:schemeClr>
+            </a:lnRef>
+            <a:fillRef idx="1">
+              <a:schemeClr val="accent1"/>
+            </a:fillRef>
+            <a:effectRef idx="0">
+              <a:schemeClr val="accent1"/>
+            </a:effectRef>
+            <a:fontRef idx="minor">
+              <a:schemeClr val="lt1"/>
+            </a:fontRef>
+          </p:style>
+          <p:txBody>
+            <a:bodyPr rtlCol="0" anchor="ctr"/>
+            <a:lstStyle/>
+            <a:p>
+              <a:pPr algn="ctr"/>
+              <a:endParaRPr lang="ko-KR" altLang="en-US"/>
+            </a:p>
+          </p:txBody>
+        </p:sp>
+        <p:sp>
+          <p:nvSpPr>
+            <p:cNvPr id="137" name="순서도: 다른 페이지 연결선 136">
+              <a:extLst>
+                <a:ext uri="{FF2B5EF4-FFF2-40B4-BE49-F238E27FC236}">
+                  <a16:creationId xmlns:a16="http://schemas.microsoft.com/office/drawing/2014/main" id="{3EF0FE38-272C-4611-9832-6E7C23B441D7}"/>
+                </a:ext>
+              </a:extLst>
+            </p:cNvPr>
+            <p:cNvSpPr/>
+            <p:nvPr/>
+          </p:nvSpPr>
+          <p:spPr>
+            <a:xfrm>
+              <a:off x="5641545" y="3312751"/>
+              <a:ext cx="1440000" cy="540001"/>
+            </a:xfrm>
+            <a:prstGeom prst="flowChartOffpageConnector">
+              <a:avLst/>
+            </a:prstGeom>
+            <a:grpFill/>
+            <a:ln>
+              <a:noFill/>
+            </a:ln>
+          </p:spPr>
+          <p:style>
+            <a:lnRef idx="2">
+              <a:schemeClr val="accent1">
+                <a:shade val="50000"/>
+              </a:schemeClr>
+            </a:lnRef>
+            <a:fillRef idx="1">
+              <a:schemeClr val="accent1"/>
+            </a:fillRef>
+            <a:effectRef idx="0">
+              <a:schemeClr val="accent1"/>
+            </a:effectRef>
+            <a:fontRef idx="minor">
+              <a:schemeClr val="lt1"/>
+            </a:fontRef>
+          </p:style>
+          <p:txBody>
+            <a:bodyPr rtlCol="0" anchor="ctr"/>
+            <a:lstStyle/>
+            <a:p>
+              <a:pPr algn="ctr"/>
+              <a:endParaRPr lang="ko-KR" altLang="en-US"/>
+            </a:p>
+          </p:txBody>
+        </p:sp>
+        <p:sp>
+          <p:nvSpPr>
+            <p:cNvPr id="138" name="직사각형 137">
+              <a:extLst>
+                <a:ext uri="{FF2B5EF4-FFF2-40B4-BE49-F238E27FC236}">
+                  <a16:creationId xmlns:a16="http://schemas.microsoft.com/office/drawing/2014/main" id="{314C7826-2C3B-4097-BE35-12C7D9C3F655}"/>
+                </a:ext>
+              </a:extLst>
+            </p:cNvPr>
+            <p:cNvSpPr/>
+            <p:nvPr/>
+          </p:nvSpPr>
+          <p:spPr>
+            <a:xfrm>
+              <a:off x="5641545" y="2981325"/>
+              <a:ext cx="270000" cy="540000"/>
+            </a:xfrm>
+            <a:prstGeom prst="rect">
+              <a:avLst/>
+            </a:prstGeom>
+            <a:grpFill/>
+            <a:ln>
+              <a:noFill/>
+            </a:ln>
+          </p:spPr>
+          <p:style>
+            <a:lnRef idx="2">
+              <a:schemeClr val="accent1">
+                <a:shade val="50000"/>
+              </a:schemeClr>
+            </a:lnRef>
+            <a:fillRef idx="1">
+              <a:schemeClr val="accent1"/>
+            </a:fillRef>
+            <a:effectRef idx="0">
+              <a:schemeClr val="accent1"/>
+            </a:effectRef>
+            <a:fontRef idx="minor">
+              <a:schemeClr val="lt1"/>
+            </a:fontRef>
+          </p:style>
+          <p:txBody>
+            <a:bodyPr rtlCol="0" anchor="ctr"/>
+            <a:lstStyle/>
+            <a:p>
+              <a:pPr algn="ctr"/>
+              <a:endParaRPr lang="ko-KR" altLang="en-US"/>
+            </a:p>
+          </p:txBody>
+        </p:sp>
+        <p:sp>
+          <p:nvSpPr>
+            <p:cNvPr id="139" name="직각 삼각형 138">
+              <a:extLst>
+                <a:ext uri="{FF2B5EF4-FFF2-40B4-BE49-F238E27FC236}">
+                  <a16:creationId xmlns:a16="http://schemas.microsoft.com/office/drawing/2014/main" id="{FFE01CCE-BA0E-42FF-8FCA-5BDD93A6CB9D}"/>
+                </a:ext>
+              </a:extLst>
+            </p:cNvPr>
+            <p:cNvSpPr/>
+            <p:nvPr/>
+          </p:nvSpPr>
+          <p:spPr>
+            <a:xfrm>
+              <a:off x="6753308" y="3428704"/>
+              <a:ext cx="175508" cy="1859728"/>
+            </a:xfrm>
+            <a:prstGeom prst="rtTriangle">
+              <a:avLst/>
+            </a:prstGeom>
+            <a:grpFill/>
+            <a:ln>
+              <a:noFill/>
+            </a:ln>
+          </p:spPr>
+          <p:style>
+            <a:lnRef idx="2">
+              <a:schemeClr val="accent1">
+                <a:shade val="50000"/>
+              </a:schemeClr>
+            </a:lnRef>
+            <a:fillRef idx="1">
+              <a:schemeClr val="accent1"/>
+            </a:fillRef>
+            <a:effectRef idx="0">
+              <a:schemeClr val="accent1"/>
+            </a:effectRef>
+            <a:fontRef idx="minor">
+              <a:schemeClr val="lt1"/>
+            </a:fontRef>
+          </p:style>
+          <p:txBody>
+            <a:bodyPr rtlCol="0" anchor="ctr"/>
+            <a:lstStyle/>
+            <a:p>
+              <a:pPr algn="ctr"/>
+              <a:endParaRPr lang="ko-KR" altLang="en-US"/>
+            </a:p>
+          </p:txBody>
+        </p:sp>
+        <p:sp>
+          <p:nvSpPr>
+            <p:cNvPr id="140" name="직사각형 139">
+              <a:extLst>
+                <a:ext uri="{FF2B5EF4-FFF2-40B4-BE49-F238E27FC236}">
+                  <a16:creationId xmlns:a16="http://schemas.microsoft.com/office/drawing/2014/main" id="{04855BEB-419F-4E38-8F85-75AE870C07A1}"/>
+                </a:ext>
+              </a:extLst>
+            </p:cNvPr>
+            <p:cNvSpPr/>
+            <p:nvPr/>
+          </p:nvSpPr>
+          <p:spPr>
+            <a:xfrm>
+              <a:off x="5969778" y="3491207"/>
+              <a:ext cx="841768" cy="1800001"/>
+            </a:xfrm>
+            <a:prstGeom prst="rect">
+              <a:avLst/>
+            </a:prstGeom>
+            <a:grpFill/>
+            <a:ln>
+              <a:noFill/>
+            </a:ln>
+          </p:spPr>
+          <p:style>
+            <a:lnRef idx="2">
+              <a:schemeClr val="accent1">
+                <a:shade val="50000"/>
+              </a:schemeClr>
+            </a:lnRef>
+            <a:fillRef idx="1">
+              <a:schemeClr val="accent1"/>
+            </a:fillRef>
+            <a:effectRef idx="0">
+              <a:schemeClr val="accent1"/>
+            </a:effectRef>
+            <a:fontRef idx="minor">
+              <a:schemeClr val="lt1"/>
+            </a:fontRef>
+          </p:style>
+          <p:txBody>
+            <a:bodyPr rtlCol="0" anchor="ctr"/>
+            <a:lstStyle/>
+            <a:p>
+              <a:pPr algn="ctr"/>
+              <a:endParaRPr lang="ko-KR" altLang="en-US"/>
+            </a:p>
+          </p:txBody>
+        </p:sp>
+        <p:sp>
+          <p:nvSpPr>
+            <p:cNvPr id="141" name="직각 삼각형 140">
+              <a:extLst>
+                <a:ext uri="{FF2B5EF4-FFF2-40B4-BE49-F238E27FC236}">
+                  <a16:creationId xmlns:a16="http://schemas.microsoft.com/office/drawing/2014/main" id="{44C8BC11-E788-4BD2-BA6D-E8913788CD34}"/>
+                </a:ext>
+              </a:extLst>
+            </p:cNvPr>
+            <p:cNvSpPr/>
+            <p:nvPr/>
+          </p:nvSpPr>
+          <p:spPr>
+            <a:xfrm flipH="1">
+              <a:off x="5789777" y="3428704"/>
+              <a:ext cx="180000" cy="1859728"/>
+            </a:xfrm>
+            <a:prstGeom prst="rtTriangle">
+              <a:avLst/>
+            </a:prstGeom>
+            <a:grpFill/>
+            <a:ln>
+              <a:noFill/>
+            </a:ln>
+          </p:spPr>
+          <p:style>
+            <a:lnRef idx="2">
+              <a:schemeClr val="accent1">
+                <a:shade val="50000"/>
+              </a:schemeClr>
+            </a:lnRef>
+            <a:fillRef idx="1">
+              <a:schemeClr val="accent1"/>
+            </a:fillRef>
+            <a:effectRef idx="0">
+              <a:schemeClr val="accent1"/>
+            </a:effectRef>
+            <a:fontRef idx="minor">
+              <a:schemeClr val="lt1"/>
+            </a:fontRef>
+          </p:style>
+          <p:txBody>
+            <a:bodyPr rtlCol="0" anchor="ctr"/>
+            <a:lstStyle/>
+            <a:p>
+              <a:pPr algn="ctr"/>
+              <a:endParaRPr lang="ko-KR" altLang="en-US"/>
+            </a:p>
+          </p:txBody>
+        </p:sp>
+        <p:sp>
+          <p:nvSpPr>
+            <p:cNvPr id="142" name="순서도: 다른 페이지 연결선 141">
+              <a:extLst>
+                <a:ext uri="{FF2B5EF4-FFF2-40B4-BE49-F238E27FC236}">
+                  <a16:creationId xmlns:a16="http://schemas.microsoft.com/office/drawing/2014/main" id="{DEEAB8CD-46ED-432B-9325-5D9E91CC0D61}"/>
+                </a:ext>
+              </a:extLst>
+            </p:cNvPr>
+            <p:cNvSpPr/>
+            <p:nvPr/>
+          </p:nvSpPr>
+          <p:spPr>
+            <a:xfrm rot="10800000">
+              <a:off x="5639297" y="4701000"/>
+              <a:ext cx="1440000" cy="670352"/>
+            </a:xfrm>
+            <a:prstGeom prst="flowChartOffpageConnector">
+              <a:avLst/>
+            </a:prstGeom>
+            <a:grpFill/>
+            <a:ln>
+              <a:noFill/>
+            </a:ln>
+          </p:spPr>
+          <p:style>
+            <a:lnRef idx="2">
+              <a:schemeClr val="accent1">
+                <a:shade val="50000"/>
+              </a:schemeClr>
+            </a:lnRef>
+            <a:fillRef idx="1">
+              <a:schemeClr val="accent1"/>
+            </a:fillRef>
+            <a:effectRef idx="0">
+              <a:schemeClr val="accent1"/>
+            </a:effectRef>
+            <a:fontRef idx="minor">
+              <a:schemeClr val="lt1"/>
+            </a:fontRef>
+          </p:style>
+          <p:txBody>
+            <a:bodyPr rtlCol="0" anchor="ctr"/>
+            <a:lstStyle/>
+            <a:p>
+              <a:pPr algn="ctr"/>
+              <a:endParaRPr lang="ko-KR" altLang="en-US"/>
+            </a:p>
+          </p:txBody>
+        </p:sp>
+      </p:grpSp>
+      <p:sp>
+        <p:nvSpPr>
+          <p:cNvPr id="143" name="TextBox 142">
+            <a:extLst>
+              <a:ext uri="{FF2B5EF4-FFF2-40B4-BE49-F238E27FC236}">
+                <a16:creationId xmlns:a16="http://schemas.microsoft.com/office/drawing/2014/main" id="{934ECABD-6EB9-456C-AEAC-A4AE48ECA994}"/>
+              </a:ext>
+            </a:extLst>
+          </p:cNvPr>
+          <p:cNvSpPr txBox="1"/>
+          <p:nvPr/>
+        </p:nvSpPr>
+        <p:spPr>
+          <a:xfrm>
+            <a:off x="2887242" y="3989949"/>
+            <a:ext cx="859763" cy="338554"/>
+          </a:xfrm>
+          <a:prstGeom prst="rect">
+            <a:avLst/>
+          </a:prstGeom>
+          <a:noFill/>
+        </p:spPr>
+        <p:txBody>
+          <a:bodyPr wrap="square" rtlCol="0">
+            <a:spAutoFit/>
+          </a:bodyPr>
+          <a:lstStyle/>
+          <a:p>
+            <a:r>
+              <a:rPr lang="ko-KR" altLang="en-US" sz="800" dirty="0"/>
+              <a:t>기물 능력치</a:t>
+            </a:r>
+            <a:endParaRPr lang="en-US" altLang="ko-KR" sz="800" dirty="0"/>
+          </a:p>
+          <a:p>
+            <a:r>
+              <a:rPr lang="en-US" altLang="ko-KR" sz="800" dirty="0"/>
+              <a:t>(1~12)</a:t>
+            </a:r>
+          </a:p>
+        </p:txBody>
+      </p:sp>
+      <p:grpSp>
+        <p:nvGrpSpPr>
+          <p:cNvPr id="144" name="그룹 143">
+            <a:extLst>
+              <a:ext uri="{FF2B5EF4-FFF2-40B4-BE49-F238E27FC236}">
+                <a16:creationId xmlns:a16="http://schemas.microsoft.com/office/drawing/2014/main" id="{98BB8D5A-3749-40AD-BBC7-1468BCF0EC49}"/>
+              </a:ext>
+            </a:extLst>
+          </p:cNvPr>
+          <p:cNvGrpSpPr/>
+          <p:nvPr/>
+        </p:nvGrpSpPr>
+        <p:grpSpPr>
+          <a:xfrm>
+            <a:off x="7505972" y="633344"/>
+            <a:ext cx="588329" cy="803115"/>
+            <a:chOff x="5670339" y="1442460"/>
+            <a:chExt cx="1855992" cy="2038775"/>
+          </a:xfrm>
+        </p:grpSpPr>
+        <p:sp>
+          <p:nvSpPr>
+            <p:cNvPr id="145" name="자유형: 도형 144">
+              <a:extLst>
+                <a:ext uri="{FF2B5EF4-FFF2-40B4-BE49-F238E27FC236}">
+                  <a16:creationId xmlns:a16="http://schemas.microsoft.com/office/drawing/2014/main" id="{DED2EEB3-093E-467A-B374-A847BDD73912}"/>
+                </a:ext>
+              </a:extLst>
+            </p:cNvPr>
+            <p:cNvSpPr/>
+            <p:nvPr/>
+          </p:nvSpPr>
+          <p:spPr>
+            <a:xfrm>
+              <a:off x="5670339" y="1520265"/>
+              <a:ext cx="656859" cy="1960970"/>
+            </a:xfrm>
+            <a:custGeom>
+              <a:avLst/>
+              <a:gdLst>
+                <a:gd name="connsiteX0" fmla="*/ 1257300 w 1257300"/>
+                <a:gd name="connsiteY0" fmla="*/ 0 h 1694023"/>
+                <a:gd name="connsiteX1" fmla="*/ 594360 w 1257300"/>
+                <a:gd name="connsiteY1" fmla="*/ 1653540 h 1694023"/>
+                <a:gd name="connsiteX2" fmla="*/ 0 w 1257300"/>
+                <a:gd name="connsiteY2" fmla="*/ 1150620 h 1694023"/>
+              </a:gdLst>
+              <a:ahLst/>
+              <a:cxnLst>
+                <a:cxn ang="0">
+                  <a:pos x="connsiteX0" y="connsiteY0"/>
+                </a:cxn>
+                <a:cxn ang="0">
+                  <a:pos x="connsiteX1" y="connsiteY1"/>
+                </a:cxn>
+                <a:cxn ang="0">
+                  <a:pos x="connsiteX2" y="connsiteY2"/>
+                </a:cxn>
+              </a:cxnLst>
+              <a:rect l="l" t="t" r="r" b="b"/>
+              <a:pathLst>
+                <a:path w="1257300" h="1694023">
+                  <a:moveTo>
+                    <a:pt x="1257300" y="0"/>
+                  </a:moveTo>
+                  <a:cubicBezTo>
+                    <a:pt x="1030605" y="730885"/>
+                    <a:pt x="803910" y="1461770"/>
+                    <a:pt x="594360" y="1653540"/>
+                  </a:cubicBezTo>
+                  <a:cubicBezTo>
+                    <a:pt x="384810" y="1845310"/>
+                    <a:pt x="80010" y="1301750"/>
+                    <a:pt x="0" y="1150620"/>
+                  </a:cubicBezTo>
+                </a:path>
+              </a:pathLst>
+            </a:custGeom>
+            <a:noFill/>
+            <a:ln w="12700"/>
+          </p:spPr>
+          <p:style>
+            <a:lnRef idx="2">
+              <a:schemeClr val="accent1">
+                <a:shade val="50000"/>
+              </a:schemeClr>
+            </a:lnRef>
+            <a:fillRef idx="1">
+              <a:schemeClr val="accent1"/>
+            </a:fillRef>
+            <a:effectRef idx="0">
+              <a:schemeClr val="accent1"/>
+            </a:effectRef>
+            <a:fontRef idx="minor">
+              <a:schemeClr val="lt1"/>
+            </a:fontRef>
+          </p:style>
+          <p:txBody>
+            <a:bodyPr rtlCol="0" anchor="ctr"/>
+            <a:lstStyle/>
+            <a:p>
+              <a:pPr algn="ctr"/>
+              <a:endParaRPr lang="ko-KR" altLang="en-US"/>
+            </a:p>
+          </p:txBody>
+        </p:sp>
+        <p:sp>
+          <p:nvSpPr>
+            <p:cNvPr id="146" name="자유형: 도형 145">
+              <a:extLst>
+                <a:ext uri="{FF2B5EF4-FFF2-40B4-BE49-F238E27FC236}">
+                  <a16:creationId xmlns:a16="http://schemas.microsoft.com/office/drawing/2014/main" id="{92A7EAF5-6EC7-46C8-93EC-3AAC87118AFC}"/>
+                </a:ext>
+              </a:extLst>
+            </p:cNvPr>
+            <p:cNvSpPr/>
+            <p:nvPr/>
+          </p:nvSpPr>
+          <p:spPr>
+            <a:xfrm>
+              <a:off x="5815751" y="1442460"/>
+              <a:ext cx="1710580" cy="869178"/>
+            </a:xfrm>
+            <a:custGeom>
+              <a:avLst/>
+              <a:gdLst>
+                <a:gd name="connsiteX0" fmla="*/ 396240 w 1710580"/>
+                <a:gd name="connsiteY0" fmla="*/ 108443 h 869178"/>
+                <a:gd name="connsiteX1" fmla="*/ 1676400 w 1710580"/>
+                <a:gd name="connsiteY1" fmla="*/ 62723 h 869178"/>
+                <a:gd name="connsiteX2" fmla="*/ 1226820 w 1710580"/>
+                <a:gd name="connsiteY2" fmla="*/ 855203 h 869178"/>
+                <a:gd name="connsiteX3" fmla="*/ 0 w 1710580"/>
+                <a:gd name="connsiteY3" fmla="*/ 550403 h 869178"/>
+              </a:gdLst>
+              <a:ahLst/>
+              <a:cxnLst>
+                <a:cxn ang="0">
+                  <a:pos x="connsiteX0" y="connsiteY0"/>
+                </a:cxn>
+                <a:cxn ang="0">
+                  <a:pos x="connsiteX1" y="connsiteY1"/>
+                </a:cxn>
+                <a:cxn ang="0">
+                  <a:pos x="connsiteX2" y="connsiteY2"/>
+                </a:cxn>
+                <a:cxn ang="0">
+                  <a:pos x="connsiteX3" y="connsiteY3"/>
+                </a:cxn>
+              </a:cxnLst>
+              <a:rect l="l" t="t" r="r" b="b"/>
+              <a:pathLst>
+                <a:path w="1710580" h="869178">
+                  <a:moveTo>
+                    <a:pt x="396240" y="108443"/>
+                  </a:moveTo>
+                  <a:cubicBezTo>
+                    <a:pt x="967105" y="23353"/>
+                    <a:pt x="1537970" y="-61737"/>
+                    <a:pt x="1676400" y="62723"/>
+                  </a:cubicBezTo>
+                  <a:cubicBezTo>
+                    <a:pt x="1814830" y="187183"/>
+                    <a:pt x="1506220" y="773923"/>
+                    <a:pt x="1226820" y="855203"/>
+                  </a:cubicBezTo>
+                  <a:cubicBezTo>
+                    <a:pt x="947420" y="936483"/>
+                    <a:pt x="236220" y="640573"/>
+                    <a:pt x="0" y="550403"/>
+                  </a:cubicBezTo>
+                </a:path>
+              </a:pathLst>
+            </a:custGeom>
+            <a:noFill/>
+            <a:ln w="12700"/>
+          </p:spPr>
+          <p:style>
+            <a:lnRef idx="2">
+              <a:schemeClr val="accent1">
+                <a:shade val="50000"/>
+              </a:schemeClr>
+            </a:lnRef>
+            <a:fillRef idx="1">
+              <a:schemeClr val="accent1"/>
+            </a:fillRef>
+            <a:effectRef idx="0">
+              <a:schemeClr val="accent1"/>
+            </a:effectRef>
+            <a:fontRef idx="minor">
+              <a:schemeClr val="lt1"/>
+            </a:fontRef>
+          </p:style>
+          <p:txBody>
+            <a:bodyPr rtlCol="0" anchor="ctr"/>
+            <a:lstStyle/>
+            <a:p>
+              <a:pPr algn="ctr"/>
+              <a:endParaRPr lang="ko-KR" altLang="en-US"/>
+            </a:p>
+          </p:txBody>
+        </p:sp>
+      </p:grpSp>
+      <p:sp>
+        <p:nvSpPr>
+          <p:cNvPr id="195" name="TextBox 194">
+            <a:extLst>
+              <a:ext uri="{FF2B5EF4-FFF2-40B4-BE49-F238E27FC236}">
+                <a16:creationId xmlns:a16="http://schemas.microsoft.com/office/drawing/2014/main" id="{7C7EC2A2-C554-4D24-9463-36C3BBEAB2C6}"/>
+              </a:ext>
+            </a:extLst>
+          </p:cNvPr>
+          <p:cNvSpPr txBox="1"/>
+          <p:nvPr/>
+        </p:nvSpPr>
+        <p:spPr>
+          <a:xfrm>
+            <a:off x="9573302" y="635523"/>
+            <a:ext cx="990248" cy="215444"/>
+          </a:xfrm>
+          <a:prstGeom prst="rect">
+            <a:avLst/>
+          </a:prstGeom>
+          <a:noFill/>
+        </p:spPr>
+        <p:txBody>
+          <a:bodyPr wrap="square" rtlCol="0">
+            <a:spAutoFit/>
+          </a:bodyPr>
+          <a:lstStyle/>
+          <a:p>
+            <a:r>
+              <a:rPr lang="ko-KR" altLang="en-US" sz="800" dirty="0"/>
+              <a:t>기물</a:t>
+            </a:r>
+            <a:r>
+              <a:rPr lang="en-US" altLang="ko-KR" sz="800" dirty="0"/>
+              <a:t> </a:t>
+            </a:r>
+            <a:r>
+              <a:rPr lang="ko-KR" altLang="en-US" sz="800" dirty="0"/>
+              <a:t>클래스</a:t>
+            </a:r>
+            <a:r>
+              <a:rPr lang="en-US" altLang="ko-KR" sz="800" dirty="0"/>
+              <a:t> </a:t>
+            </a:r>
+            <a:r>
+              <a:rPr lang="ko-KR" altLang="en-US" sz="800" dirty="0"/>
+              <a:t>문양</a:t>
+            </a:r>
+            <a:endParaRPr lang="en-US" altLang="ko-KR" sz="800" dirty="0"/>
+          </a:p>
+        </p:txBody>
+      </p:sp>
+      <p:sp>
+        <p:nvSpPr>
+          <p:cNvPr id="196" name="TextBox 195">
+            <a:extLst>
+              <a:ext uri="{FF2B5EF4-FFF2-40B4-BE49-F238E27FC236}">
+                <a16:creationId xmlns:a16="http://schemas.microsoft.com/office/drawing/2014/main" id="{1C2BED06-7CAA-481A-B252-1831FFCC8EE7}"/>
+              </a:ext>
+            </a:extLst>
+          </p:cNvPr>
+          <p:cNvSpPr txBox="1"/>
+          <p:nvPr/>
+        </p:nvSpPr>
+        <p:spPr>
+          <a:xfrm>
+            <a:off x="7652094" y="1444927"/>
+            <a:ext cx="990248" cy="215444"/>
+          </a:xfrm>
+          <a:prstGeom prst="rect">
+            <a:avLst/>
+          </a:prstGeom>
+          <a:noFill/>
+        </p:spPr>
+        <p:txBody>
+          <a:bodyPr wrap="square" rtlCol="0">
+            <a:spAutoFit/>
+          </a:bodyPr>
+          <a:lstStyle/>
+          <a:p>
+            <a:r>
+              <a:rPr lang="ko-KR" altLang="en-US" sz="800" dirty="0"/>
+              <a:t>프로모션 기물</a:t>
+            </a:r>
+            <a:endParaRPr lang="en-US" altLang="ko-KR" sz="800" dirty="0"/>
+          </a:p>
+        </p:txBody>
+      </p:sp>
+      <p:sp>
+        <p:nvSpPr>
+          <p:cNvPr id="197" name="TextBox 196">
+            <a:extLst>
+              <a:ext uri="{FF2B5EF4-FFF2-40B4-BE49-F238E27FC236}">
+                <a16:creationId xmlns:a16="http://schemas.microsoft.com/office/drawing/2014/main" id="{4D7D24D2-909B-4B0A-B502-8C58B79AF5D0}"/>
+              </a:ext>
+            </a:extLst>
+          </p:cNvPr>
+          <p:cNvSpPr txBox="1"/>
+          <p:nvPr/>
+        </p:nvSpPr>
+        <p:spPr>
+          <a:xfrm>
+            <a:off x="3555092" y="5437687"/>
+            <a:ext cx="1080000" cy="215444"/>
+          </a:xfrm>
+          <a:prstGeom prst="rect">
+            <a:avLst/>
+          </a:prstGeom>
+          <a:noFill/>
+        </p:spPr>
+        <p:txBody>
+          <a:bodyPr wrap="square" rtlCol="0">
+            <a:spAutoFit/>
+          </a:bodyPr>
+          <a:lstStyle/>
+          <a:p>
+            <a:r>
+              <a:rPr lang="en-US" altLang="ko-KR" sz="800" dirty="0"/>
+              <a:t>HP/ATK/RAN/SPD</a:t>
+            </a:r>
+          </a:p>
+        </p:txBody>
+      </p:sp>
     </p:spTree>
     <p:extLst>
       <p:ext uri="{BB962C8B-B14F-4D97-AF65-F5344CB8AC3E}">
         <p14:creationId xmlns:p14="http://schemas.microsoft.com/office/powerpoint/2010/main" val="1590238331"/>
+      </p:ext>
+    </p:extLst>
+  </p:cSld>
+  <p:clrMapOvr>
+    <a:masterClrMapping/>
+  </p:clrMapOvr>
+</p:sld>
+</file>
+
+<file path=ppt/slides/slide3.xml><?xml version="1.0" encoding="utf-8"?>
+<p:sld xmlns:a="http://schemas.openxmlformats.org/drawingml/2006/main" xmlns:r="http://schemas.openxmlformats.org/officeDocument/2006/relationships" xmlns:p="http://schemas.openxmlformats.org/presentationml/2006/main">
+  <p:cSld>
+    <p:spTree>
+      <p:nvGrpSpPr>
+        <p:cNvPr id="1" name=""/>
+        <p:cNvGrpSpPr/>
+        <p:nvPr/>
+      </p:nvGrpSpPr>
+      <p:grpSpPr>
+        <a:xfrm>
+          <a:off x="0" y="0"/>
+          <a:ext cx="0" cy="0"/>
+          <a:chOff x="0" y="0"/>
+          <a:chExt cx="0" cy="0"/>
+        </a:xfrm>
+      </p:grpSpPr>
+      <p:grpSp>
+        <p:nvGrpSpPr>
+          <p:cNvPr id="4" name="그룹 3">
+            <a:extLst>
+              <a:ext uri="{FF2B5EF4-FFF2-40B4-BE49-F238E27FC236}">
+                <a16:creationId xmlns:a16="http://schemas.microsoft.com/office/drawing/2014/main" id="{CBBA502A-3C81-4916-92C6-A4C67F6D17DF}"/>
+              </a:ext>
+            </a:extLst>
+          </p:cNvPr>
+          <p:cNvGrpSpPr/>
+          <p:nvPr/>
+        </p:nvGrpSpPr>
+        <p:grpSpPr>
+          <a:xfrm>
+            <a:off x="848519" y="321678"/>
+            <a:ext cx="847463" cy="789549"/>
+            <a:chOff x="7594383" y="492322"/>
+            <a:chExt cx="847463" cy="789549"/>
+          </a:xfrm>
+        </p:grpSpPr>
+        <p:grpSp>
+          <p:nvGrpSpPr>
+            <p:cNvPr id="5" name="그룹 4">
+              <a:extLst>
+                <a:ext uri="{FF2B5EF4-FFF2-40B4-BE49-F238E27FC236}">
+                  <a16:creationId xmlns:a16="http://schemas.microsoft.com/office/drawing/2014/main" id="{2A301913-D799-4304-9AF0-970818C7C5A7}"/>
+                </a:ext>
+              </a:extLst>
+            </p:cNvPr>
+            <p:cNvGrpSpPr/>
+            <p:nvPr/>
+          </p:nvGrpSpPr>
+          <p:grpSpPr>
+            <a:xfrm>
+              <a:off x="7594383" y="492322"/>
+              <a:ext cx="198650" cy="767776"/>
+              <a:chOff x="7430639" y="773304"/>
+              <a:chExt cx="372997" cy="486793"/>
+            </a:xfrm>
+          </p:grpSpPr>
+          <p:cxnSp>
+            <p:nvCxnSpPr>
+              <p:cNvPr id="8" name="직선 연결선 7">
+                <a:extLst>
+                  <a:ext uri="{FF2B5EF4-FFF2-40B4-BE49-F238E27FC236}">
+                    <a16:creationId xmlns:a16="http://schemas.microsoft.com/office/drawing/2014/main" id="{B996D6BD-1F72-4F21-8D65-71A9D98924C0}"/>
+                  </a:ext>
+                </a:extLst>
+              </p:cNvPr>
+              <p:cNvCxnSpPr>
+                <a:cxnSpLocks/>
+              </p:cNvCxnSpPr>
+              <p:nvPr/>
+            </p:nvCxnSpPr>
+            <p:spPr>
+              <a:xfrm>
+                <a:off x="7430639" y="773304"/>
+                <a:ext cx="0" cy="486793"/>
+              </a:xfrm>
+              <a:prstGeom prst="line">
+                <a:avLst/>
+              </a:prstGeom>
+              <a:ln w="25400">
+                <a:solidFill>
+                  <a:schemeClr val="tx1"/>
+                </a:solidFill>
+              </a:ln>
+            </p:spPr>
+            <p:style>
+              <a:lnRef idx="1">
+                <a:schemeClr val="accent1"/>
+              </a:lnRef>
+              <a:fillRef idx="0">
+                <a:schemeClr val="accent1"/>
+              </a:fillRef>
+              <a:effectRef idx="0">
+                <a:schemeClr val="accent1"/>
+              </a:effectRef>
+              <a:fontRef idx="minor">
+                <a:schemeClr val="tx1"/>
+              </a:fontRef>
+            </p:style>
+          </p:cxnSp>
+          <p:cxnSp>
+            <p:nvCxnSpPr>
+              <p:cNvPr id="9" name="직선 연결선 8">
+                <a:extLst>
+                  <a:ext uri="{FF2B5EF4-FFF2-40B4-BE49-F238E27FC236}">
+                    <a16:creationId xmlns:a16="http://schemas.microsoft.com/office/drawing/2014/main" id="{7485A5FD-FDE0-45D0-B656-554CBB1DB5E8}"/>
+                  </a:ext>
+                </a:extLst>
+              </p:cNvPr>
+              <p:cNvCxnSpPr>
+                <a:cxnSpLocks/>
+              </p:cNvCxnSpPr>
+              <p:nvPr/>
+            </p:nvCxnSpPr>
+            <p:spPr>
+              <a:xfrm flipH="1">
+                <a:off x="7434116" y="799742"/>
+                <a:ext cx="369520" cy="456382"/>
+              </a:xfrm>
+              <a:prstGeom prst="line">
+                <a:avLst/>
+              </a:prstGeom>
+              <a:ln w="25400">
+                <a:solidFill>
+                  <a:schemeClr val="tx1"/>
+                </a:solidFill>
+              </a:ln>
+            </p:spPr>
+            <p:style>
+              <a:lnRef idx="1">
+                <a:schemeClr val="accent1"/>
+              </a:lnRef>
+              <a:fillRef idx="0">
+                <a:schemeClr val="accent1"/>
+              </a:fillRef>
+              <a:effectRef idx="0">
+                <a:schemeClr val="accent1"/>
+              </a:effectRef>
+              <a:fontRef idx="minor">
+                <a:schemeClr val="tx1"/>
+              </a:fontRef>
+            </p:style>
+          </p:cxnSp>
+          <p:cxnSp>
+            <p:nvCxnSpPr>
+              <p:cNvPr id="10" name="직선 연결선 9">
+                <a:extLst>
+                  <a:ext uri="{FF2B5EF4-FFF2-40B4-BE49-F238E27FC236}">
+                    <a16:creationId xmlns:a16="http://schemas.microsoft.com/office/drawing/2014/main" id="{5C13C402-54DF-4568-BC68-0B75BE685693}"/>
+                  </a:ext>
+                </a:extLst>
+              </p:cNvPr>
+              <p:cNvCxnSpPr>
+                <a:cxnSpLocks/>
+              </p:cNvCxnSpPr>
+              <p:nvPr/>
+            </p:nvCxnSpPr>
+            <p:spPr>
+              <a:xfrm>
+                <a:off x="7623853" y="1020012"/>
+                <a:ext cx="173578" cy="216411"/>
+              </a:xfrm>
+              <a:prstGeom prst="line">
+                <a:avLst/>
+              </a:prstGeom>
+              <a:ln w="25400">
+                <a:solidFill>
+                  <a:schemeClr val="tx1"/>
+                </a:solidFill>
+              </a:ln>
+            </p:spPr>
+            <p:style>
+              <a:lnRef idx="1">
+                <a:schemeClr val="accent1"/>
+              </a:lnRef>
+              <a:fillRef idx="0">
+                <a:schemeClr val="accent1"/>
+              </a:fillRef>
+              <a:effectRef idx="0">
+                <a:schemeClr val="accent1"/>
+              </a:effectRef>
+              <a:fontRef idx="minor">
+                <a:schemeClr val="tx1"/>
+              </a:fontRef>
+            </p:style>
+          </p:cxnSp>
+        </p:grpSp>
+        <p:sp>
+          <p:nvSpPr>
+            <p:cNvPr id="6" name="자유형: 도형 5">
+              <a:extLst>
+                <a:ext uri="{FF2B5EF4-FFF2-40B4-BE49-F238E27FC236}">
+                  <a16:creationId xmlns:a16="http://schemas.microsoft.com/office/drawing/2014/main" id="{4A9E5B2B-8A59-4604-A16E-639544F77D66}"/>
+                </a:ext>
+              </a:extLst>
+            </p:cNvPr>
+            <p:cNvSpPr/>
+            <p:nvPr/>
+          </p:nvSpPr>
+          <p:spPr>
+            <a:xfrm>
+              <a:off x="7762658" y="883402"/>
+              <a:ext cx="679188" cy="398469"/>
+            </a:xfrm>
+            <a:custGeom>
+              <a:avLst/>
+              <a:gdLst>
+                <a:gd name="connsiteX0" fmla="*/ 115021 w 1821901"/>
+                <a:gd name="connsiteY0" fmla="*/ 353437 h 1466869"/>
+                <a:gd name="connsiteX1" fmla="*/ 183601 w 1821901"/>
+                <a:gd name="connsiteY1" fmla="*/ 162937 h 1466869"/>
+                <a:gd name="connsiteX2" fmla="*/ 46441 w 1821901"/>
+                <a:gd name="connsiteY2" fmla="*/ 1229737 h 1466869"/>
+                <a:gd name="connsiteX3" fmla="*/ 8341 w 1821901"/>
+                <a:gd name="connsiteY3" fmla="*/ 1237357 h 1466869"/>
+                <a:gd name="connsiteX4" fmla="*/ 191221 w 1821901"/>
+                <a:gd name="connsiteY4" fmla="*/ 1130677 h 1466869"/>
+                <a:gd name="connsiteX5" fmla="*/ 473161 w 1821901"/>
+                <a:gd name="connsiteY5" fmla="*/ 300097 h 1466869"/>
+                <a:gd name="connsiteX6" fmla="*/ 572221 w 1821901"/>
+                <a:gd name="connsiteY6" fmla="*/ 56257 h 1466869"/>
+                <a:gd name="connsiteX7" fmla="*/ 488401 w 1821901"/>
+                <a:gd name="connsiteY7" fmla="*/ 1283077 h 1466869"/>
+                <a:gd name="connsiteX8" fmla="*/ 450301 w 1821901"/>
+                <a:gd name="connsiteY8" fmla="*/ 1229737 h 1466869"/>
+                <a:gd name="connsiteX9" fmla="*/ 777961 w 1821901"/>
+                <a:gd name="connsiteY9" fmla="*/ 71497 h 1466869"/>
+                <a:gd name="connsiteX10" fmla="*/ 800821 w 1821901"/>
+                <a:gd name="connsiteY10" fmla="*/ 1351657 h 1466869"/>
+                <a:gd name="connsiteX11" fmla="*/ 717001 w 1821901"/>
+                <a:gd name="connsiteY11" fmla="*/ 1321177 h 1466869"/>
+                <a:gd name="connsiteX12" fmla="*/ 915121 w 1821901"/>
+                <a:gd name="connsiteY12" fmla="*/ 1206877 h 1466869"/>
+                <a:gd name="connsiteX13" fmla="*/ 1326601 w 1821901"/>
+                <a:gd name="connsiteY13" fmla="*/ 239137 h 1466869"/>
+                <a:gd name="connsiteX14" fmla="*/ 1303741 w 1821901"/>
+                <a:gd name="connsiteY14" fmla="*/ 94357 h 1466869"/>
+                <a:gd name="connsiteX15" fmla="*/ 1280881 w 1821901"/>
+                <a:gd name="connsiteY15" fmla="*/ 703957 h 1466869"/>
+                <a:gd name="connsiteX16" fmla="*/ 1029421 w 1821901"/>
+                <a:gd name="connsiteY16" fmla="*/ 711577 h 1466869"/>
+                <a:gd name="connsiteX17" fmla="*/ 1006561 w 1821901"/>
+                <a:gd name="connsiteY17" fmla="*/ 307717 h 1466869"/>
+                <a:gd name="connsiteX18" fmla="*/ 1303741 w 1821901"/>
+                <a:gd name="connsiteY18" fmla="*/ 315337 h 1466869"/>
+                <a:gd name="connsiteX19" fmla="*/ 1258021 w 1821901"/>
+                <a:gd name="connsiteY19" fmla="*/ 1374517 h 1466869"/>
+                <a:gd name="connsiteX20" fmla="*/ 1067521 w 1821901"/>
+                <a:gd name="connsiteY20" fmla="*/ 1382137 h 1466869"/>
+                <a:gd name="connsiteX21" fmla="*/ 1021801 w 1821901"/>
+                <a:gd name="connsiteY21" fmla="*/ 1107817 h 1466869"/>
+                <a:gd name="connsiteX22" fmla="*/ 1821901 w 1821901"/>
+                <a:gd name="connsiteY22" fmla="*/ 863977 h 1466869"/>
+              </a:gdLst>
+              <a:ahLst/>
+              <a:cxnLst>
+                <a:cxn ang="0">
+                  <a:pos x="connsiteX0" y="connsiteY0"/>
+                </a:cxn>
+                <a:cxn ang="0">
+                  <a:pos x="connsiteX1" y="connsiteY1"/>
+                </a:cxn>
+                <a:cxn ang="0">
+                  <a:pos x="connsiteX2" y="connsiteY2"/>
+                </a:cxn>
+                <a:cxn ang="0">
+                  <a:pos x="connsiteX3" y="connsiteY3"/>
+                </a:cxn>
+                <a:cxn ang="0">
+                  <a:pos x="connsiteX4" y="connsiteY4"/>
+                </a:cxn>
+                <a:cxn ang="0">
+                  <a:pos x="connsiteX5" y="connsiteY5"/>
+                </a:cxn>
+                <a:cxn ang="0">
+                  <a:pos x="connsiteX6" y="connsiteY6"/>
+                </a:cxn>
+                <a:cxn ang="0">
+                  <a:pos x="connsiteX7" y="connsiteY7"/>
+                </a:cxn>
+                <a:cxn ang="0">
+                  <a:pos x="connsiteX8" y="connsiteY8"/>
+                </a:cxn>
+                <a:cxn ang="0">
+                  <a:pos x="connsiteX9" y="connsiteY9"/>
+                </a:cxn>
+                <a:cxn ang="0">
+                  <a:pos x="connsiteX10" y="connsiteY10"/>
+                </a:cxn>
+                <a:cxn ang="0">
+                  <a:pos x="connsiteX11" y="connsiteY11"/>
+                </a:cxn>
+                <a:cxn ang="0">
+                  <a:pos x="connsiteX12" y="connsiteY12"/>
+                </a:cxn>
+                <a:cxn ang="0">
+                  <a:pos x="connsiteX13" y="connsiteY13"/>
+                </a:cxn>
+                <a:cxn ang="0">
+                  <a:pos x="connsiteX14" y="connsiteY14"/>
+                </a:cxn>
+                <a:cxn ang="0">
+                  <a:pos x="connsiteX15" y="connsiteY15"/>
+                </a:cxn>
+                <a:cxn ang="0">
+                  <a:pos x="connsiteX16" y="connsiteY16"/>
+                </a:cxn>
+                <a:cxn ang="0">
+                  <a:pos x="connsiteX17" y="connsiteY17"/>
+                </a:cxn>
+                <a:cxn ang="0">
+                  <a:pos x="connsiteX18" y="connsiteY18"/>
+                </a:cxn>
+                <a:cxn ang="0">
+                  <a:pos x="connsiteX19" y="connsiteY19"/>
+                </a:cxn>
+                <a:cxn ang="0">
+                  <a:pos x="connsiteX20" y="connsiteY20"/>
+                </a:cxn>
+                <a:cxn ang="0">
+                  <a:pos x="connsiteX21" y="connsiteY21"/>
+                </a:cxn>
+                <a:cxn ang="0">
+                  <a:pos x="connsiteX22" y="connsiteY22"/>
+                </a:cxn>
+              </a:cxnLst>
+              <a:rect l="l" t="t" r="r" b="b"/>
+              <a:pathLst>
+                <a:path w="1821901" h="1466869">
+                  <a:moveTo>
+                    <a:pt x="115021" y="353437"/>
+                  </a:moveTo>
+                  <a:cubicBezTo>
+                    <a:pt x="155026" y="185162"/>
+                    <a:pt x="195031" y="16887"/>
+                    <a:pt x="183601" y="162937"/>
+                  </a:cubicBezTo>
+                  <a:cubicBezTo>
+                    <a:pt x="172171" y="308987"/>
+                    <a:pt x="75651" y="1050667"/>
+                    <a:pt x="46441" y="1229737"/>
+                  </a:cubicBezTo>
+                  <a:cubicBezTo>
+                    <a:pt x="17231" y="1408807"/>
+                    <a:pt x="-15789" y="1253867"/>
+                    <a:pt x="8341" y="1237357"/>
+                  </a:cubicBezTo>
+                  <a:cubicBezTo>
+                    <a:pt x="32471" y="1220847"/>
+                    <a:pt x="113751" y="1286887"/>
+                    <a:pt x="191221" y="1130677"/>
+                  </a:cubicBezTo>
+                  <a:cubicBezTo>
+                    <a:pt x="268691" y="974467"/>
+                    <a:pt x="409661" y="479167"/>
+                    <a:pt x="473161" y="300097"/>
+                  </a:cubicBezTo>
+                  <a:cubicBezTo>
+                    <a:pt x="536661" y="121027"/>
+                    <a:pt x="569681" y="-107573"/>
+                    <a:pt x="572221" y="56257"/>
+                  </a:cubicBezTo>
+                  <a:cubicBezTo>
+                    <a:pt x="574761" y="220087"/>
+                    <a:pt x="508721" y="1087497"/>
+                    <a:pt x="488401" y="1283077"/>
+                  </a:cubicBezTo>
+                  <a:cubicBezTo>
+                    <a:pt x="468081" y="1478657"/>
+                    <a:pt x="402041" y="1431667"/>
+                    <a:pt x="450301" y="1229737"/>
+                  </a:cubicBezTo>
+                  <a:cubicBezTo>
+                    <a:pt x="498561" y="1027807"/>
+                    <a:pt x="719541" y="51177"/>
+                    <a:pt x="777961" y="71497"/>
+                  </a:cubicBezTo>
+                  <a:cubicBezTo>
+                    <a:pt x="836381" y="91817"/>
+                    <a:pt x="810981" y="1143377"/>
+                    <a:pt x="800821" y="1351657"/>
+                  </a:cubicBezTo>
+                  <a:cubicBezTo>
+                    <a:pt x="790661" y="1559937"/>
+                    <a:pt x="697951" y="1345307"/>
+                    <a:pt x="717001" y="1321177"/>
+                  </a:cubicBezTo>
+                  <a:cubicBezTo>
+                    <a:pt x="736051" y="1297047"/>
+                    <a:pt x="813521" y="1387217"/>
+                    <a:pt x="915121" y="1206877"/>
+                  </a:cubicBezTo>
+                  <a:cubicBezTo>
+                    <a:pt x="1016721" y="1026537"/>
+                    <a:pt x="1261831" y="424557"/>
+                    <a:pt x="1326601" y="239137"/>
+                  </a:cubicBezTo>
+                  <a:cubicBezTo>
+                    <a:pt x="1391371" y="53717"/>
+                    <a:pt x="1311361" y="16887"/>
+                    <a:pt x="1303741" y="94357"/>
+                  </a:cubicBezTo>
+                  <a:cubicBezTo>
+                    <a:pt x="1296121" y="171827"/>
+                    <a:pt x="1326601" y="601087"/>
+                    <a:pt x="1280881" y="703957"/>
+                  </a:cubicBezTo>
+                  <a:cubicBezTo>
+                    <a:pt x="1235161" y="806827"/>
+                    <a:pt x="1075141" y="777617"/>
+                    <a:pt x="1029421" y="711577"/>
+                  </a:cubicBezTo>
+                  <a:cubicBezTo>
+                    <a:pt x="983701" y="645537"/>
+                    <a:pt x="960841" y="373757"/>
+                    <a:pt x="1006561" y="307717"/>
+                  </a:cubicBezTo>
+                  <a:cubicBezTo>
+                    <a:pt x="1052281" y="241677"/>
+                    <a:pt x="1261831" y="137537"/>
+                    <a:pt x="1303741" y="315337"/>
+                  </a:cubicBezTo>
+                  <a:cubicBezTo>
+                    <a:pt x="1345651" y="493137"/>
+                    <a:pt x="1297391" y="1196717"/>
+                    <a:pt x="1258021" y="1374517"/>
+                  </a:cubicBezTo>
+                  <a:cubicBezTo>
+                    <a:pt x="1218651" y="1552317"/>
+                    <a:pt x="1106891" y="1426587"/>
+                    <a:pt x="1067521" y="1382137"/>
+                  </a:cubicBezTo>
+                  <a:cubicBezTo>
+                    <a:pt x="1028151" y="1337687"/>
+                    <a:pt x="896071" y="1194177"/>
+                    <a:pt x="1021801" y="1107817"/>
+                  </a:cubicBezTo>
+                  <a:cubicBezTo>
+                    <a:pt x="1147531" y="1021457"/>
+                    <a:pt x="1484716" y="942717"/>
+                    <a:pt x="1821901" y="863977"/>
+                  </a:cubicBezTo>
+                </a:path>
+              </a:pathLst>
+            </a:custGeom>
+            <a:noFill/>
+            <a:ln w="25400">
+              <a:solidFill>
+                <a:schemeClr val="tx1"/>
+              </a:solidFill>
+            </a:ln>
+          </p:spPr>
+          <p:style>
+            <a:lnRef idx="2">
+              <a:schemeClr val="accent1">
+                <a:shade val="50000"/>
+              </a:schemeClr>
+            </a:lnRef>
+            <a:fillRef idx="1">
+              <a:schemeClr val="accent1"/>
+            </a:fillRef>
+            <a:effectRef idx="0">
+              <a:schemeClr val="accent1"/>
+            </a:effectRef>
+            <a:fontRef idx="minor">
+              <a:schemeClr val="lt1"/>
+            </a:fontRef>
+          </p:style>
+          <p:txBody>
+            <a:bodyPr rtlCol="0" anchor="ctr"/>
+            <a:lstStyle/>
+            <a:p>
+              <a:pPr algn="ctr"/>
+              <a:endParaRPr lang="ko-KR" altLang="en-US"/>
+            </a:p>
+          </p:txBody>
+        </p:sp>
+        <p:cxnSp>
+          <p:nvCxnSpPr>
+            <p:cNvPr id="7" name="직선 연결선 6">
+              <a:extLst>
+                <a:ext uri="{FF2B5EF4-FFF2-40B4-BE49-F238E27FC236}">
+                  <a16:creationId xmlns:a16="http://schemas.microsoft.com/office/drawing/2014/main" id="{D4B518CC-4E51-4A09-9D50-3EC1B6BD4D79}"/>
+                </a:ext>
+              </a:extLst>
+            </p:cNvPr>
+            <p:cNvCxnSpPr/>
+            <p:nvPr/>
+          </p:nvCxnSpPr>
+          <p:spPr>
+            <a:xfrm>
+              <a:off x="7819038" y="859383"/>
+              <a:ext cx="33291" cy="34424"/>
+            </a:xfrm>
+            <a:prstGeom prst="line">
+              <a:avLst/>
+            </a:prstGeom>
+            <a:ln w="25400">
+              <a:solidFill>
+                <a:schemeClr val="tx1"/>
+              </a:solidFill>
+            </a:ln>
+          </p:spPr>
+          <p:style>
+            <a:lnRef idx="1">
+              <a:schemeClr val="accent1"/>
+            </a:lnRef>
+            <a:fillRef idx="0">
+              <a:schemeClr val="accent1"/>
+            </a:fillRef>
+            <a:effectRef idx="0">
+              <a:schemeClr val="accent1"/>
+            </a:effectRef>
+            <a:fontRef idx="minor">
+              <a:schemeClr val="tx1"/>
+            </a:fontRef>
+          </p:style>
+        </p:cxnSp>
+      </p:grpSp>
+      <p:grpSp>
+        <p:nvGrpSpPr>
+          <p:cNvPr id="11" name="그룹 10">
+            <a:extLst>
+              <a:ext uri="{FF2B5EF4-FFF2-40B4-BE49-F238E27FC236}">
+                <a16:creationId xmlns:a16="http://schemas.microsoft.com/office/drawing/2014/main" id="{1DA9988C-4765-4B0C-BF4A-030C4B8333BA}"/>
+              </a:ext>
+            </a:extLst>
+          </p:cNvPr>
+          <p:cNvGrpSpPr/>
+          <p:nvPr/>
+        </p:nvGrpSpPr>
+        <p:grpSpPr>
+          <a:xfrm>
+            <a:off x="329694" y="2834569"/>
+            <a:ext cx="500235" cy="1356431"/>
+            <a:chOff x="6501392" y="2227318"/>
+            <a:chExt cx="500235" cy="1356431"/>
+          </a:xfrm>
+        </p:grpSpPr>
+        <p:sp>
+          <p:nvSpPr>
+            <p:cNvPr id="12" name="타원 11">
+              <a:extLst>
+                <a:ext uri="{FF2B5EF4-FFF2-40B4-BE49-F238E27FC236}">
+                  <a16:creationId xmlns:a16="http://schemas.microsoft.com/office/drawing/2014/main" id="{5896E164-AC26-44CA-A74D-7CCA24E7E14A}"/>
+                </a:ext>
+              </a:extLst>
+            </p:cNvPr>
+            <p:cNvSpPr/>
+            <p:nvPr/>
+          </p:nvSpPr>
+          <p:spPr>
+            <a:xfrm>
+              <a:off x="6501392" y="2227318"/>
+              <a:ext cx="422995" cy="1324381"/>
+            </a:xfrm>
+            <a:prstGeom prst="ellipse">
+              <a:avLst/>
+            </a:prstGeom>
+            <a:noFill/>
+            <a:ln w="25400">
+              <a:solidFill>
+                <a:schemeClr val="tx1"/>
+              </a:solidFill>
+            </a:ln>
+          </p:spPr>
+          <p:style>
+            <a:lnRef idx="2">
+              <a:schemeClr val="accent1">
+                <a:shade val="50000"/>
+              </a:schemeClr>
+            </a:lnRef>
+            <a:fillRef idx="1">
+              <a:schemeClr val="accent1"/>
+            </a:fillRef>
+            <a:effectRef idx="0">
+              <a:schemeClr val="accent1"/>
+            </a:effectRef>
+            <a:fontRef idx="minor">
+              <a:schemeClr val="lt1"/>
+            </a:fontRef>
+          </p:style>
+          <p:txBody>
+            <a:bodyPr rtlCol="0" anchor="ctr"/>
+            <a:lstStyle/>
+            <a:p>
+              <a:pPr algn="ctr"/>
+              <a:endParaRPr lang="ko-KR" altLang="en-US"/>
+            </a:p>
+          </p:txBody>
+        </p:sp>
+        <p:cxnSp>
+          <p:nvCxnSpPr>
+            <p:cNvPr id="13" name="직선 연결선 12">
+              <a:extLst>
+                <a:ext uri="{FF2B5EF4-FFF2-40B4-BE49-F238E27FC236}">
+                  <a16:creationId xmlns:a16="http://schemas.microsoft.com/office/drawing/2014/main" id="{A981536A-3106-427D-8AEC-857895C39DE7}"/>
+                </a:ext>
+              </a:extLst>
+            </p:cNvPr>
+            <p:cNvCxnSpPr>
+              <a:cxnSpLocks/>
+            </p:cNvCxnSpPr>
+            <p:nvPr/>
+          </p:nvCxnSpPr>
+          <p:spPr>
+            <a:xfrm>
+              <a:off x="6777712" y="3089294"/>
+              <a:ext cx="223915" cy="494455"/>
+            </a:xfrm>
+            <a:prstGeom prst="line">
+              <a:avLst/>
+            </a:prstGeom>
+            <a:ln w="25400">
+              <a:solidFill>
+                <a:schemeClr val="tx1"/>
+              </a:solidFill>
+            </a:ln>
+          </p:spPr>
+          <p:style>
+            <a:lnRef idx="1">
+              <a:schemeClr val="accent1"/>
+            </a:lnRef>
+            <a:fillRef idx="0">
+              <a:schemeClr val="accent1"/>
+            </a:fillRef>
+            <a:effectRef idx="0">
+              <a:schemeClr val="accent1"/>
+            </a:effectRef>
+            <a:fontRef idx="minor">
+              <a:schemeClr val="tx1"/>
+            </a:fontRef>
+          </p:style>
+        </p:cxnSp>
+      </p:grpSp>
+      <p:grpSp>
+        <p:nvGrpSpPr>
+          <p:cNvPr id="14" name="그룹 13">
+            <a:extLst>
+              <a:ext uri="{FF2B5EF4-FFF2-40B4-BE49-F238E27FC236}">
+                <a16:creationId xmlns:a16="http://schemas.microsoft.com/office/drawing/2014/main" id="{DF7BC380-F4AA-4B51-B413-FEC4C8340AB4}"/>
+              </a:ext>
+            </a:extLst>
+          </p:cNvPr>
+          <p:cNvGrpSpPr/>
+          <p:nvPr/>
+        </p:nvGrpSpPr>
+        <p:grpSpPr>
+          <a:xfrm>
+            <a:off x="752689" y="1464207"/>
+            <a:ext cx="908157" cy="1017992"/>
+            <a:chOff x="6986790" y="1133976"/>
+            <a:chExt cx="908157" cy="1017992"/>
+          </a:xfrm>
+        </p:grpSpPr>
+        <p:grpSp>
+          <p:nvGrpSpPr>
+            <p:cNvPr id="15" name="그룹 14">
+              <a:extLst>
+                <a:ext uri="{FF2B5EF4-FFF2-40B4-BE49-F238E27FC236}">
+                  <a16:creationId xmlns:a16="http://schemas.microsoft.com/office/drawing/2014/main" id="{CC6D65B0-DA42-4F8A-9C54-6A357BED8B59}"/>
+                </a:ext>
+              </a:extLst>
+            </p:cNvPr>
+            <p:cNvGrpSpPr/>
+            <p:nvPr/>
+          </p:nvGrpSpPr>
+          <p:grpSpPr>
+            <a:xfrm>
+              <a:off x="7127754" y="1422117"/>
+              <a:ext cx="690926" cy="729851"/>
+              <a:chOff x="4848873" y="1689611"/>
+              <a:chExt cx="1932927" cy="1495231"/>
+            </a:xfrm>
+          </p:grpSpPr>
+          <p:sp>
+            <p:nvSpPr>
+              <p:cNvPr id="21" name="자유형: 도형 20">
+                <a:extLst>
+                  <a:ext uri="{FF2B5EF4-FFF2-40B4-BE49-F238E27FC236}">
+                    <a16:creationId xmlns:a16="http://schemas.microsoft.com/office/drawing/2014/main" id="{F9618F30-98D5-45C1-ADF8-E116834804CC}"/>
+                  </a:ext>
+                </a:extLst>
+              </p:cNvPr>
+              <p:cNvSpPr/>
+              <p:nvPr/>
+            </p:nvSpPr>
+            <p:spPr>
+              <a:xfrm>
+                <a:off x="4848873" y="1763995"/>
+                <a:ext cx="1932927" cy="1420847"/>
+              </a:xfrm>
+              <a:custGeom>
+                <a:avLst/>
+                <a:gdLst>
+                  <a:gd name="connsiteX0" fmla="*/ 73647 w 1932927"/>
+                  <a:gd name="connsiteY0" fmla="*/ 255305 h 1420847"/>
+                  <a:gd name="connsiteX1" fmla="*/ 149847 w 1932927"/>
+                  <a:gd name="connsiteY1" fmla="*/ 87665 h 1420847"/>
+                  <a:gd name="connsiteX2" fmla="*/ 73647 w 1932927"/>
+                  <a:gd name="connsiteY2" fmla="*/ 1078265 h 1420847"/>
+                  <a:gd name="connsiteX3" fmla="*/ 5067 w 1932927"/>
+                  <a:gd name="connsiteY3" fmla="*/ 1017305 h 1420847"/>
+                  <a:gd name="connsiteX4" fmla="*/ 218427 w 1932927"/>
+                  <a:gd name="connsiteY4" fmla="*/ 301025 h 1420847"/>
+                  <a:gd name="connsiteX5" fmla="*/ 401307 w 1932927"/>
+                  <a:gd name="connsiteY5" fmla="*/ 41945 h 1420847"/>
+                  <a:gd name="connsiteX6" fmla="*/ 355587 w 1932927"/>
+                  <a:gd name="connsiteY6" fmla="*/ 1131605 h 1420847"/>
+                  <a:gd name="connsiteX7" fmla="*/ 309867 w 1932927"/>
+                  <a:gd name="connsiteY7" fmla="*/ 1024925 h 1420847"/>
+                  <a:gd name="connsiteX8" fmla="*/ 637527 w 1932927"/>
+                  <a:gd name="connsiteY8" fmla="*/ 64805 h 1420847"/>
+                  <a:gd name="connsiteX9" fmla="*/ 614667 w 1932927"/>
+                  <a:gd name="connsiteY9" fmla="*/ 1184945 h 1420847"/>
+                  <a:gd name="connsiteX10" fmla="*/ 538467 w 1932927"/>
+                  <a:gd name="connsiteY10" fmla="*/ 1085885 h 1420847"/>
+                  <a:gd name="connsiteX11" fmla="*/ 843267 w 1932927"/>
+                  <a:gd name="connsiteY11" fmla="*/ 133385 h 1420847"/>
+                  <a:gd name="connsiteX12" fmla="*/ 828027 w 1932927"/>
+                  <a:gd name="connsiteY12" fmla="*/ 1238285 h 1420847"/>
+                  <a:gd name="connsiteX13" fmla="*/ 767067 w 1932927"/>
+                  <a:gd name="connsiteY13" fmla="*/ 1131605 h 1420847"/>
+                  <a:gd name="connsiteX14" fmla="*/ 927087 w 1932927"/>
+                  <a:gd name="connsiteY14" fmla="*/ 712505 h 1420847"/>
+                  <a:gd name="connsiteX15" fmla="*/ 1087107 w 1932927"/>
+                  <a:gd name="connsiteY15" fmla="*/ 560105 h 1420847"/>
+                  <a:gd name="connsiteX16" fmla="*/ 1094727 w 1932927"/>
+                  <a:gd name="connsiteY16" fmla="*/ 1291625 h 1420847"/>
+                  <a:gd name="connsiteX17" fmla="*/ 1041387 w 1932927"/>
+                  <a:gd name="connsiteY17" fmla="*/ 1192565 h 1420847"/>
+                  <a:gd name="connsiteX18" fmla="*/ 1315707 w 1932927"/>
+                  <a:gd name="connsiteY18" fmla="*/ 461045 h 1420847"/>
+                  <a:gd name="connsiteX19" fmla="*/ 1689087 w 1932927"/>
+                  <a:gd name="connsiteY19" fmla="*/ 415325 h 1420847"/>
+                  <a:gd name="connsiteX20" fmla="*/ 1529067 w 1932927"/>
+                  <a:gd name="connsiteY20" fmla="*/ 102905 h 1420847"/>
+                  <a:gd name="connsiteX21" fmla="*/ 1430007 w 1932927"/>
+                  <a:gd name="connsiteY21" fmla="*/ 1360205 h 1420847"/>
+                  <a:gd name="connsiteX22" fmla="*/ 1239507 w 1932927"/>
+                  <a:gd name="connsiteY22" fmla="*/ 1207805 h 1420847"/>
+                  <a:gd name="connsiteX23" fmla="*/ 1932927 w 1932927"/>
+                  <a:gd name="connsiteY23" fmla="*/ 1078265 h 1420847"/>
+                </a:gdLst>
+                <a:ahLst/>
+                <a:cxnLst>
+                  <a:cxn ang="0">
+                    <a:pos x="connsiteX0" y="connsiteY0"/>
+                  </a:cxn>
+                  <a:cxn ang="0">
+                    <a:pos x="connsiteX1" y="connsiteY1"/>
+                  </a:cxn>
+                  <a:cxn ang="0">
+                    <a:pos x="connsiteX2" y="connsiteY2"/>
+                  </a:cxn>
+                  <a:cxn ang="0">
+                    <a:pos x="connsiteX3" y="connsiteY3"/>
+                  </a:cxn>
+                  <a:cxn ang="0">
+                    <a:pos x="connsiteX4" y="connsiteY4"/>
+                  </a:cxn>
+                  <a:cxn ang="0">
+                    <a:pos x="connsiteX5" y="connsiteY5"/>
+                  </a:cxn>
+                  <a:cxn ang="0">
+                    <a:pos x="connsiteX6" y="connsiteY6"/>
+                  </a:cxn>
+                  <a:cxn ang="0">
+                    <a:pos x="connsiteX7" y="connsiteY7"/>
+                  </a:cxn>
+                  <a:cxn ang="0">
+                    <a:pos x="connsiteX8" y="connsiteY8"/>
+                  </a:cxn>
+                  <a:cxn ang="0">
+                    <a:pos x="connsiteX9" y="connsiteY9"/>
+                  </a:cxn>
+                  <a:cxn ang="0">
+                    <a:pos x="connsiteX10" y="connsiteY10"/>
+                  </a:cxn>
+                  <a:cxn ang="0">
+                    <a:pos x="connsiteX11" y="connsiteY11"/>
+                  </a:cxn>
+                  <a:cxn ang="0">
+                    <a:pos x="connsiteX12" y="connsiteY12"/>
+                  </a:cxn>
+                  <a:cxn ang="0">
+                    <a:pos x="connsiteX13" y="connsiteY13"/>
+                  </a:cxn>
+                  <a:cxn ang="0">
+                    <a:pos x="connsiteX14" y="connsiteY14"/>
+                  </a:cxn>
+                  <a:cxn ang="0">
+                    <a:pos x="connsiteX15" y="connsiteY15"/>
+                  </a:cxn>
+                  <a:cxn ang="0">
+                    <a:pos x="connsiteX16" y="connsiteY16"/>
+                  </a:cxn>
+                  <a:cxn ang="0">
+                    <a:pos x="connsiteX17" y="connsiteY17"/>
+                  </a:cxn>
+                  <a:cxn ang="0">
+                    <a:pos x="connsiteX18" y="connsiteY18"/>
+                  </a:cxn>
+                  <a:cxn ang="0">
+                    <a:pos x="connsiteX19" y="connsiteY19"/>
+                  </a:cxn>
+                  <a:cxn ang="0">
+                    <a:pos x="connsiteX20" y="connsiteY20"/>
+                  </a:cxn>
+                  <a:cxn ang="0">
+                    <a:pos x="connsiteX21" y="connsiteY21"/>
+                  </a:cxn>
+                  <a:cxn ang="0">
+                    <a:pos x="connsiteX22" y="connsiteY22"/>
+                  </a:cxn>
+                  <a:cxn ang="0">
+                    <a:pos x="connsiteX23" y="connsiteY23"/>
+                  </a:cxn>
+                </a:cxnLst>
+                <a:rect l="l" t="t" r="r" b="b"/>
+                <a:pathLst>
+                  <a:path w="1932927" h="1420847">
+                    <a:moveTo>
+                      <a:pt x="73647" y="255305"/>
+                    </a:moveTo>
+                    <a:cubicBezTo>
+                      <a:pt x="111747" y="102905"/>
+                      <a:pt x="149847" y="-49495"/>
+                      <a:pt x="149847" y="87665"/>
+                    </a:cubicBezTo>
+                    <a:cubicBezTo>
+                      <a:pt x="149847" y="224825"/>
+                      <a:pt x="97777" y="923325"/>
+                      <a:pt x="73647" y="1078265"/>
+                    </a:cubicBezTo>
+                    <a:cubicBezTo>
+                      <a:pt x="49517" y="1233205"/>
+                      <a:pt x="-19063" y="1146845"/>
+                      <a:pt x="5067" y="1017305"/>
+                    </a:cubicBezTo>
+                    <a:cubicBezTo>
+                      <a:pt x="29197" y="887765"/>
+                      <a:pt x="152387" y="463585"/>
+                      <a:pt x="218427" y="301025"/>
+                    </a:cubicBezTo>
+                    <a:cubicBezTo>
+                      <a:pt x="284467" y="138465"/>
+                      <a:pt x="378447" y="-96485"/>
+                      <a:pt x="401307" y="41945"/>
+                    </a:cubicBezTo>
+                    <a:cubicBezTo>
+                      <a:pt x="424167" y="180375"/>
+                      <a:pt x="370827" y="967775"/>
+                      <a:pt x="355587" y="1131605"/>
+                    </a:cubicBezTo>
+                    <a:cubicBezTo>
+                      <a:pt x="340347" y="1295435"/>
+                      <a:pt x="262877" y="1202725"/>
+                      <a:pt x="309867" y="1024925"/>
+                    </a:cubicBezTo>
+                    <a:cubicBezTo>
+                      <a:pt x="356857" y="847125"/>
+                      <a:pt x="586727" y="38135"/>
+                      <a:pt x="637527" y="64805"/>
+                    </a:cubicBezTo>
+                    <a:cubicBezTo>
+                      <a:pt x="688327" y="91475"/>
+                      <a:pt x="631177" y="1014765"/>
+                      <a:pt x="614667" y="1184945"/>
+                    </a:cubicBezTo>
+                    <a:cubicBezTo>
+                      <a:pt x="598157" y="1355125"/>
+                      <a:pt x="500367" y="1261145"/>
+                      <a:pt x="538467" y="1085885"/>
+                    </a:cubicBezTo>
+                    <a:cubicBezTo>
+                      <a:pt x="576567" y="910625"/>
+                      <a:pt x="795007" y="107985"/>
+                      <a:pt x="843267" y="133385"/>
+                    </a:cubicBezTo>
+                    <a:cubicBezTo>
+                      <a:pt x="891527" y="158785"/>
+                      <a:pt x="840727" y="1071915"/>
+                      <a:pt x="828027" y="1238285"/>
+                    </a:cubicBezTo>
+                    <a:cubicBezTo>
+                      <a:pt x="815327" y="1404655"/>
+                      <a:pt x="750557" y="1219235"/>
+                      <a:pt x="767067" y="1131605"/>
+                    </a:cubicBezTo>
+                    <a:cubicBezTo>
+                      <a:pt x="783577" y="1043975"/>
+                      <a:pt x="873747" y="807755"/>
+                      <a:pt x="927087" y="712505"/>
+                    </a:cubicBezTo>
+                    <a:cubicBezTo>
+                      <a:pt x="980427" y="617255"/>
+                      <a:pt x="1059167" y="463585"/>
+                      <a:pt x="1087107" y="560105"/>
+                    </a:cubicBezTo>
+                    <a:cubicBezTo>
+                      <a:pt x="1115047" y="656625"/>
+                      <a:pt x="1102347" y="1186215"/>
+                      <a:pt x="1094727" y="1291625"/>
+                    </a:cubicBezTo>
+                    <a:cubicBezTo>
+                      <a:pt x="1087107" y="1397035"/>
+                      <a:pt x="1004557" y="1330995"/>
+                      <a:pt x="1041387" y="1192565"/>
+                    </a:cubicBezTo>
+                    <a:cubicBezTo>
+                      <a:pt x="1078217" y="1054135"/>
+                      <a:pt x="1207757" y="590585"/>
+                      <a:pt x="1315707" y="461045"/>
+                    </a:cubicBezTo>
+                    <a:cubicBezTo>
+                      <a:pt x="1423657" y="331505"/>
+                      <a:pt x="1653527" y="475015"/>
+                      <a:pt x="1689087" y="415325"/>
+                    </a:cubicBezTo>
+                    <a:cubicBezTo>
+                      <a:pt x="1724647" y="355635"/>
+                      <a:pt x="1572247" y="-54575"/>
+                      <a:pt x="1529067" y="102905"/>
+                    </a:cubicBezTo>
+                    <a:cubicBezTo>
+                      <a:pt x="1485887" y="260385"/>
+                      <a:pt x="1478267" y="1176055"/>
+                      <a:pt x="1430007" y="1360205"/>
+                    </a:cubicBezTo>
+                    <a:cubicBezTo>
+                      <a:pt x="1381747" y="1544355"/>
+                      <a:pt x="1155687" y="1254795"/>
+                      <a:pt x="1239507" y="1207805"/>
+                    </a:cubicBezTo>
+                    <a:cubicBezTo>
+                      <a:pt x="1323327" y="1160815"/>
+                      <a:pt x="1628127" y="1119540"/>
+                      <a:pt x="1932927" y="1078265"/>
+                    </a:cubicBezTo>
+                  </a:path>
+                </a:pathLst>
+              </a:custGeom>
+              <a:noFill/>
+              <a:ln w="25400">
+                <a:solidFill>
+                  <a:schemeClr val="tx1"/>
+                </a:solidFill>
+              </a:ln>
+            </p:spPr>
+            <p:style>
+              <a:lnRef idx="2">
+                <a:schemeClr val="accent1">
+                  <a:shade val="50000"/>
+                </a:schemeClr>
+              </a:lnRef>
+              <a:fillRef idx="1">
+                <a:schemeClr val="accent1"/>
+              </a:fillRef>
+              <a:effectRef idx="0">
+                <a:schemeClr val="accent1"/>
+              </a:effectRef>
+              <a:fontRef idx="minor">
+                <a:schemeClr val="lt1"/>
+              </a:fontRef>
+            </p:style>
+            <p:txBody>
+              <a:bodyPr rtlCol="0" anchor="ctr"/>
+              <a:lstStyle/>
+              <a:p>
+                <a:pPr algn="ctr"/>
+                <a:endParaRPr lang="ko-KR" altLang="en-US"/>
+              </a:p>
+            </p:txBody>
+          </p:sp>
+          <p:cxnSp>
+            <p:nvCxnSpPr>
+              <p:cNvPr id="22" name="직선 연결선 21">
+                <a:extLst>
+                  <a:ext uri="{FF2B5EF4-FFF2-40B4-BE49-F238E27FC236}">
+                    <a16:creationId xmlns:a16="http://schemas.microsoft.com/office/drawing/2014/main" id="{AAB98B24-5AB5-4A03-8F33-D10F895ABAC4}"/>
+                  </a:ext>
+                </a:extLst>
+              </p:cNvPr>
+              <p:cNvCxnSpPr/>
+              <p:nvPr/>
+            </p:nvCxnSpPr>
+            <p:spPr>
+              <a:xfrm>
+                <a:off x="5424947" y="1689611"/>
+                <a:ext cx="190500" cy="119079"/>
+              </a:xfrm>
+              <a:prstGeom prst="line">
+                <a:avLst/>
+              </a:prstGeom>
+              <a:ln w="25400">
+                <a:solidFill>
+                  <a:schemeClr val="tx1"/>
+                </a:solidFill>
+              </a:ln>
+            </p:spPr>
+            <p:style>
+              <a:lnRef idx="1">
+                <a:schemeClr val="accent1"/>
+              </a:lnRef>
+              <a:fillRef idx="0">
+                <a:schemeClr val="accent1"/>
+              </a:fillRef>
+              <a:effectRef idx="0">
+                <a:schemeClr val="accent1"/>
+              </a:effectRef>
+              <a:fontRef idx="minor">
+                <a:schemeClr val="tx1"/>
+              </a:fontRef>
+            </p:style>
+          </p:cxnSp>
+        </p:grpSp>
+        <p:grpSp>
+          <p:nvGrpSpPr>
+            <p:cNvPr id="16" name="그룹 15">
+              <a:extLst>
+                <a:ext uri="{FF2B5EF4-FFF2-40B4-BE49-F238E27FC236}">
+                  <a16:creationId xmlns:a16="http://schemas.microsoft.com/office/drawing/2014/main" id="{4C8A4AD4-8C62-400C-88BF-612359AAF4A5}"/>
+                </a:ext>
+              </a:extLst>
+            </p:cNvPr>
+            <p:cNvGrpSpPr/>
+            <p:nvPr/>
+          </p:nvGrpSpPr>
+          <p:grpSpPr>
+            <a:xfrm>
+              <a:off x="6986790" y="1133976"/>
+              <a:ext cx="181592" cy="900222"/>
+              <a:chOff x="4724400" y="1543005"/>
+              <a:chExt cx="403246" cy="1516874"/>
+            </a:xfrm>
+          </p:grpSpPr>
+          <p:cxnSp>
+            <p:nvCxnSpPr>
+              <p:cNvPr id="18" name="직선 연결선 17">
+                <a:extLst>
+                  <a:ext uri="{FF2B5EF4-FFF2-40B4-BE49-F238E27FC236}">
+                    <a16:creationId xmlns:a16="http://schemas.microsoft.com/office/drawing/2014/main" id="{BB2C3C92-404C-47AB-9706-3BB97F629FBD}"/>
+                  </a:ext>
+                </a:extLst>
+              </p:cNvPr>
+              <p:cNvCxnSpPr>
+                <a:cxnSpLocks/>
+              </p:cNvCxnSpPr>
+              <p:nvPr/>
+            </p:nvCxnSpPr>
+            <p:spPr>
+              <a:xfrm>
+                <a:off x="4724400" y="1543005"/>
+                <a:ext cx="3048" cy="1516874"/>
+              </a:xfrm>
+              <a:prstGeom prst="line">
+                <a:avLst/>
+              </a:prstGeom>
+              <a:ln w="25400">
+                <a:solidFill>
+                  <a:schemeClr val="tx1"/>
+                </a:solidFill>
+              </a:ln>
+            </p:spPr>
+            <p:style>
+              <a:lnRef idx="1">
+                <a:schemeClr val="accent1"/>
+              </a:lnRef>
+              <a:fillRef idx="0">
+                <a:schemeClr val="accent1"/>
+              </a:fillRef>
+              <a:effectRef idx="0">
+                <a:schemeClr val="accent1"/>
+              </a:effectRef>
+              <a:fontRef idx="minor">
+                <a:schemeClr val="tx1"/>
+              </a:fontRef>
+            </p:style>
+          </p:cxnSp>
+          <p:cxnSp>
+            <p:nvCxnSpPr>
+              <p:cNvPr id="19" name="직선 연결선 18">
+                <a:extLst>
+                  <a:ext uri="{FF2B5EF4-FFF2-40B4-BE49-F238E27FC236}">
+                    <a16:creationId xmlns:a16="http://schemas.microsoft.com/office/drawing/2014/main" id="{E33C6C74-FB5D-4578-A339-922DA9821E2D}"/>
+                  </a:ext>
+                </a:extLst>
+              </p:cNvPr>
+              <p:cNvCxnSpPr>
+                <a:cxnSpLocks/>
+              </p:cNvCxnSpPr>
+              <p:nvPr/>
+            </p:nvCxnSpPr>
+            <p:spPr>
+              <a:xfrm flipH="1">
+                <a:off x="4725925" y="1576616"/>
+                <a:ext cx="401721" cy="1483263"/>
+              </a:xfrm>
+              <a:prstGeom prst="line">
+                <a:avLst/>
+              </a:prstGeom>
+              <a:ln w="25400">
+                <a:solidFill>
+                  <a:schemeClr val="tx1"/>
+                </a:solidFill>
+              </a:ln>
+            </p:spPr>
+            <p:style>
+              <a:lnRef idx="1">
+                <a:schemeClr val="accent1"/>
+              </a:lnRef>
+              <a:fillRef idx="0">
+                <a:schemeClr val="accent1"/>
+              </a:fillRef>
+              <a:effectRef idx="0">
+                <a:schemeClr val="accent1"/>
+              </a:effectRef>
+              <a:fontRef idx="minor">
+                <a:schemeClr val="tx1"/>
+              </a:fontRef>
+            </p:style>
+          </p:cxnSp>
+          <p:cxnSp>
+            <p:nvCxnSpPr>
+              <p:cNvPr id="20" name="직선 연결선 19">
+                <a:extLst>
+                  <a:ext uri="{FF2B5EF4-FFF2-40B4-BE49-F238E27FC236}">
+                    <a16:creationId xmlns:a16="http://schemas.microsoft.com/office/drawing/2014/main" id="{D41FBF71-1D01-40A5-9EAC-FB9859751021}"/>
+                  </a:ext>
+                </a:extLst>
+              </p:cNvPr>
+              <p:cNvCxnSpPr>
+                <a:cxnSpLocks/>
+              </p:cNvCxnSpPr>
+              <p:nvPr/>
+            </p:nvCxnSpPr>
+            <p:spPr>
+              <a:xfrm>
+                <a:off x="4926785" y="2318247"/>
+                <a:ext cx="186231" cy="690598"/>
+              </a:xfrm>
+              <a:prstGeom prst="line">
+                <a:avLst/>
+              </a:prstGeom>
+              <a:ln w="25400">
+                <a:solidFill>
+                  <a:schemeClr val="tx1"/>
+                </a:solidFill>
+              </a:ln>
+            </p:spPr>
+            <p:style>
+              <a:lnRef idx="1">
+                <a:schemeClr val="accent1"/>
+              </a:lnRef>
+              <a:fillRef idx="0">
+                <a:schemeClr val="accent1"/>
+              </a:fillRef>
+              <a:effectRef idx="0">
+                <a:schemeClr val="accent1"/>
+              </a:effectRef>
+              <a:fontRef idx="minor">
+                <a:schemeClr val="tx1"/>
+              </a:fontRef>
+            </p:style>
+          </p:cxnSp>
+        </p:grpSp>
+        <p:cxnSp>
+          <p:nvCxnSpPr>
+            <p:cNvPr id="17" name="직선 연결선 16">
+              <a:extLst>
+                <a:ext uri="{FF2B5EF4-FFF2-40B4-BE49-F238E27FC236}">
+                  <a16:creationId xmlns:a16="http://schemas.microsoft.com/office/drawing/2014/main" id="{38E430DC-C3AB-46BF-B0A7-EF5CE6CB42E0}"/>
+                </a:ext>
+              </a:extLst>
+            </p:cNvPr>
+            <p:cNvCxnSpPr>
+              <a:cxnSpLocks/>
+            </p:cNvCxnSpPr>
+            <p:nvPr/>
+          </p:nvCxnSpPr>
+          <p:spPr>
+            <a:xfrm>
+              <a:off x="7503361" y="1594060"/>
+              <a:ext cx="391586" cy="105898"/>
+            </a:xfrm>
+            <a:prstGeom prst="line">
+              <a:avLst/>
+            </a:prstGeom>
+            <a:ln w="25400">
+              <a:solidFill>
+                <a:schemeClr val="tx1"/>
+              </a:solidFill>
+            </a:ln>
+          </p:spPr>
+          <p:style>
+            <a:lnRef idx="1">
+              <a:schemeClr val="accent1"/>
+            </a:lnRef>
+            <a:fillRef idx="0">
+              <a:schemeClr val="accent1"/>
+            </a:fillRef>
+            <a:effectRef idx="0">
+              <a:schemeClr val="accent1"/>
+            </a:effectRef>
+            <a:fontRef idx="minor">
+              <a:schemeClr val="tx1"/>
+            </a:fontRef>
+          </p:style>
+        </p:cxnSp>
+      </p:grpSp>
+    </p:spTree>
+    <p:extLst>
+      <p:ext uri="{BB962C8B-B14F-4D97-AF65-F5344CB8AC3E}">
+        <p14:creationId xmlns:p14="http://schemas.microsoft.com/office/powerpoint/2010/main" val="2086459812"/>
       </p:ext>
     </p:extLst>
   </p:cSld>
